--- a/docs/locale/zh_CN/source/secured_asset_transfer/transfer_assets_images.pptx
+++ b/docs/locale/zh_CN/source/secured_asset_transfer/transfer_assets_images.pptx
@@ -1,16 +1,19 @@
 
 <file path=ppt/presentation.xml><?xml version="1.0" encoding="utf-8"?>
-<p:presentation xmlns:a="http://schemas.openxmlformats.org/drawingml/2006/main" xmlns:r="http://schemas.openxmlformats.org/officeDocument/2006/relationships" xmlns:p="http://schemas.openxmlformats.org/presentationml/2006/main" saveSubsetFonts="1" autoCompressPictures="0">
+<p:presentation xmlns:a="http://schemas.openxmlformats.org/drawingml/2006/main" xmlns:r="http://schemas.openxmlformats.org/officeDocument/2006/relationships" xmlns:p="http://schemas.openxmlformats.org/presentationml/2006/main" autoCompressPictures="0">
   <p:sldMasterIdLst>
     <p:sldMasterId id="2147483648" r:id="rId1"/>
   </p:sldMasterIdLst>
   <p:sldIdLst>
-    <p:sldId id="270" r:id="rId2"/>
-    <p:sldId id="269" r:id="rId3"/>
-    <p:sldId id="271" r:id="rId4"/>
+    <p:sldId id="270" r:id="rId3"/>
+    <p:sldId id="269" r:id="rId4"/>
+    <p:sldId id="271" r:id="rId5"/>
   </p:sldIdLst>
   <p:sldSz cx="12192000" cy="6858000"/>
   <p:notesSz cx="6858000" cy="9144000"/>
+  <p:custDataLst>
+    <p:tags r:id="rId9"/>
+  </p:custDataLst>
   <p:defaultTextStyle>
     <a:defPPr>
       <a:defRPr lang="en-US"/>
@@ -106,11 +109,6 @@
       </a:defRPr>
     </a:lvl9pPr>
   </p:defaultTextStyle>
-  <p:extLst>
-    <p:ext uri="{EFAFB233-063F-42B5-8137-9DF3F51BA10A}">
-      <p15:sldGuideLst xmlns:p15="http://schemas.microsoft.com/office/powerpoint/2012/main"/>
-    </p:ext>
-  </p:extLst>
 </p:presentation>
 </file>
 
@@ -133,13 +131,7 @@
       </p:grpSpPr>
       <p:sp>
         <p:nvSpPr>
-          <p:cNvPr id="2" name="Title 1">
-            <a:extLst>
-              <a:ext uri="{FF2B5EF4-FFF2-40B4-BE49-F238E27FC236}">
-                <a16:creationId xmlns:a16="http://schemas.microsoft.com/office/drawing/2014/main" id="{30443871-9064-4944-9B9D-6E38CFC88A14}"/>
-              </a:ext>
-            </a:extLst>
-          </p:cNvPr>
+          <p:cNvPr id="2" name="Title 1"/>
           <p:cNvSpPr>
             <a:spLocks noGrp="1"/>
           </p:cNvSpPr>
@@ -165,18 +157,13 @@
               <a:rPr lang="en-US"/>
               <a:t>Click to edit Master title style</a:t>
             </a:r>
-          </a:p>
-        </p:txBody>
-      </p:sp>
-      <p:sp>
-        <p:nvSpPr>
-          <p:cNvPr id="3" name="Subtitle 2">
-            <a:extLst>
-              <a:ext uri="{FF2B5EF4-FFF2-40B4-BE49-F238E27FC236}">
-                <a16:creationId xmlns:a16="http://schemas.microsoft.com/office/drawing/2014/main" id="{DE744BCB-F961-BE4E-897B-FE931239BC4D}"/>
-              </a:ext>
-            </a:extLst>
-          </p:cNvPr>
+            <a:endParaRPr lang="en-US"/>
+          </a:p>
+        </p:txBody>
+      </p:sp>
+      <p:sp>
+        <p:nvSpPr>
+          <p:cNvPr id="3" name="Subtitle 2"/>
           <p:cNvSpPr>
             <a:spLocks noGrp="1"/>
           </p:cNvSpPr>
@@ -235,18 +222,13 @@
               <a:rPr lang="en-US"/>
               <a:t>Click to edit Master subtitle style</a:t>
             </a:r>
-          </a:p>
-        </p:txBody>
-      </p:sp>
-      <p:sp>
-        <p:nvSpPr>
-          <p:cNvPr id="4" name="Date Placeholder 3">
-            <a:extLst>
-              <a:ext uri="{FF2B5EF4-FFF2-40B4-BE49-F238E27FC236}">
-                <a16:creationId xmlns:a16="http://schemas.microsoft.com/office/drawing/2014/main" id="{7B9EE6AF-0AA7-6C42-A5C5-0B943F5EA389}"/>
-              </a:ext>
-            </a:extLst>
-          </p:cNvPr>
+            <a:endParaRPr lang="en-US"/>
+          </a:p>
+        </p:txBody>
+      </p:sp>
+      <p:sp>
+        <p:nvSpPr>
+          <p:cNvPr id="4" name="Date Placeholder 3"/>
           <p:cNvSpPr>
             <a:spLocks noGrp="1"/>
           </p:cNvSpPr>
@@ -261,7 +243,6 @@
           <a:p>
             <a:fld id="{C7085146-0BF9-7E45-AACD-59CE42CB07C4}" type="datetimeFigureOut">
               <a:rPr lang="en-US" smtClean="0"/>
-              <a:t>6/20/22</a:t>
             </a:fld>
             <a:endParaRPr lang="en-US"/>
           </a:p>
@@ -269,13 +250,7 @@
       </p:sp>
       <p:sp>
         <p:nvSpPr>
-          <p:cNvPr id="5" name="Footer Placeholder 4">
-            <a:extLst>
-              <a:ext uri="{FF2B5EF4-FFF2-40B4-BE49-F238E27FC236}">
-                <a16:creationId xmlns:a16="http://schemas.microsoft.com/office/drawing/2014/main" id="{292EA93E-C255-C34C-87FD-8B4B4C273088}"/>
-              </a:ext>
-            </a:extLst>
-          </p:cNvPr>
+          <p:cNvPr id="5" name="Footer Placeholder 4"/>
           <p:cNvSpPr>
             <a:spLocks noGrp="1"/>
           </p:cNvSpPr>
@@ -294,13 +269,7 @@
       </p:sp>
       <p:sp>
         <p:nvSpPr>
-          <p:cNvPr id="6" name="Slide Number Placeholder 5">
-            <a:extLst>
-              <a:ext uri="{FF2B5EF4-FFF2-40B4-BE49-F238E27FC236}">
-                <a16:creationId xmlns:a16="http://schemas.microsoft.com/office/drawing/2014/main" id="{44AF1982-319F-F14C-82CA-F4651D7576FC}"/>
-              </a:ext>
-            </a:extLst>
-          </p:cNvPr>
+          <p:cNvPr id="6" name="Slide Number Placeholder 5"/>
           <p:cNvSpPr>
             <a:spLocks noGrp="1"/>
           </p:cNvSpPr>
@@ -315,18 +284,12 @@
           <a:p>
             <a:fld id="{73291ABB-8B41-464E-A5D6-723C5EF960A7}" type="slidenum">
               <a:rPr lang="en-US" smtClean="0"/>
-              <a:t>‹#›</a:t>
             </a:fld>
             <a:endParaRPr lang="en-US"/>
           </a:p>
         </p:txBody>
       </p:sp>
     </p:spTree>
-    <p:extLst>
-      <p:ext uri="{BB962C8B-B14F-4D97-AF65-F5344CB8AC3E}">
-        <p14:creationId xmlns:p14="http://schemas.microsoft.com/office/powerpoint/2010/main" val="399891675"/>
-      </p:ext>
-    </p:extLst>
   </p:cSld>
   <p:clrMapOvr>
     <a:masterClrMapping/>
@@ -353,13 +316,7 @@
       </p:grpSpPr>
       <p:sp>
         <p:nvSpPr>
-          <p:cNvPr id="2" name="Title 1">
-            <a:extLst>
-              <a:ext uri="{FF2B5EF4-FFF2-40B4-BE49-F238E27FC236}">
-                <a16:creationId xmlns:a16="http://schemas.microsoft.com/office/drawing/2014/main" id="{CCD28FE0-295E-5C4D-BAEC-DB6777B6C3A0}"/>
-              </a:ext>
-            </a:extLst>
-          </p:cNvPr>
+          <p:cNvPr id="2" name="Title 1"/>
           <p:cNvSpPr>
             <a:spLocks noGrp="1"/>
           </p:cNvSpPr>
@@ -376,18 +333,13 @@
               <a:rPr lang="en-US"/>
               <a:t>Click to edit Master title style</a:t>
             </a:r>
-          </a:p>
-        </p:txBody>
-      </p:sp>
-      <p:sp>
-        <p:nvSpPr>
-          <p:cNvPr id="3" name="Vertical Text Placeholder 2">
-            <a:extLst>
-              <a:ext uri="{FF2B5EF4-FFF2-40B4-BE49-F238E27FC236}">
-                <a16:creationId xmlns:a16="http://schemas.microsoft.com/office/drawing/2014/main" id="{BE3FF284-96E1-B448-B7D4-CA572B06AC60}"/>
-              </a:ext>
-            </a:extLst>
-          </p:cNvPr>
+            <a:endParaRPr lang="en-US"/>
+          </a:p>
+        </p:txBody>
+      </p:sp>
+      <p:sp>
+        <p:nvSpPr>
+          <p:cNvPr id="3" name="Vertical Text Placeholder 2"/>
           <p:cNvSpPr>
             <a:spLocks noGrp="1"/>
           </p:cNvSpPr>
@@ -405,6 +357,7 @@
               <a:rPr lang="en-US"/>
               <a:t>Edit Master text styles</a:t>
             </a:r>
+            <a:endParaRPr lang="en-US"/>
           </a:p>
           <a:p>
             <a:pPr lvl="1"/>
@@ -412,6 +365,7 @@
               <a:rPr lang="en-US"/>
               <a:t>Second level</a:t>
             </a:r>
+            <a:endParaRPr lang="en-US"/>
           </a:p>
           <a:p>
             <a:pPr lvl="2"/>
@@ -419,6 +373,7 @@
               <a:rPr lang="en-US"/>
               <a:t>Third level</a:t>
             </a:r>
+            <a:endParaRPr lang="en-US"/>
           </a:p>
           <a:p>
             <a:pPr lvl="3"/>
@@ -426,6 +381,7 @@
               <a:rPr lang="en-US"/>
               <a:t>Fourth level</a:t>
             </a:r>
+            <a:endParaRPr lang="en-US"/>
           </a:p>
           <a:p>
             <a:pPr lvl="4"/>
@@ -433,18 +389,13 @@
               <a:rPr lang="en-US"/>
               <a:t>Fifth level</a:t>
             </a:r>
-          </a:p>
-        </p:txBody>
-      </p:sp>
-      <p:sp>
-        <p:nvSpPr>
-          <p:cNvPr id="4" name="Date Placeholder 3">
-            <a:extLst>
-              <a:ext uri="{FF2B5EF4-FFF2-40B4-BE49-F238E27FC236}">
-                <a16:creationId xmlns:a16="http://schemas.microsoft.com/office/drawing/2014/main" id="{2EFD5B04-23F4-3B48-8099-88288CE83DD9}"/>
-              </a:ext>
-            </a:extLst>
-          </p:cNvPr>
+            <a:endParaRPr lang="en-US"/>
+          </a:p>
+        </p:txBody>
+      </p:sp>
+      <p:sp>
+        <p:nvSpPr>
+          <p:cNvPr id="4" name="Date Placeholder 3"/>
           <p:cNvSpPr>
             <a:spLocks noGrp="1"/>
           </p:cNvSpPr>
@@ -459,7 +410,6 @@
           <a:p>
             <a:fld id="{C7085146-0BF9-7E45-AACD-59CE42CB07C4}" type="datetimeFigureOut">
               <a:rPr lang="en-US" smtClean="0"/>
-              <a:t>6/20/22</a:t>
             </a:fld>
             <a:endParaRPr lang="en-US"/>
           </a:p>
@@ -467,13 +417,7 @@
       </p:sp>
       <p:sp>
         <p:nvSpPr>
-          <p:cNvPr id="5" name="Footer Placeholder 4">
-            <a:extLst>
-              <a:ext uri="{FF2B5EF4-FFF2-40B4-BE49-F238E27FC236}">
-                <a16:creationId xmlns:a16="http://schemas.microsoft.com/office/drawing/2014/main" id="{478CA8DC-C81B-B646-9FC0-02787065F076}"/>
-              </a:ext>
-            </a:extLst>
-          </p:cNvPr>
+          <p:cNvPr id="5" name="Footer Placeholder 4"/>
           <p:cNvSpPr>
             <a:spLocks noGrp="1"/>
           </p:cNvSpPr>
@@ -492,13 +436,7 @@
       </p:sp>
       <p:sp>
         <p:nvSpPr>
-          <p:cNvPr id="6" name="Slide Number Placeholder 5">
-            <a:extLst>
-              <a:ext uri="{FF2B5EF4-FFF2-40B4-BE49-F238E27FC236}">
-                <a16:creationId xmlns:a16="http://schemas.microsoft.com/office/drawing/2014/main" id="{D0B975B5-D73F-B644-A4FE-0F0A7E16B01D}"/>
-              </a:ext>
-            </a:extLst>
-          </p:cNvPr>
+          <p:cNvPr id="6" name="Slide Number Placeholder 5"/>
           <p:cNvSpPr>
             <a:spLocks noGrp="1"/>
           </p:cNvSpPr>
@@ -513,18 +451,12 @@
           <a:p>
             <a:fld id="{73291ABB-8B41-464E-A5D6-723C5EF960A7}" type="slidenum">
               <a:rPr lang="en-US" smtClean="0"/>
-              <a:t>‹#›</a:t>
             </a:fld>
             <a:endParaRPr lang="en-US"/>
           </a:p>
         </p:txBody>
       </p:sp>
     </p:spTree>
-    <p:extLst>
-      <p:ext uri="{BB962C8B-B14F-4D97-AF65-F5344CB8AC3E}">
-        <p14:creationId xmlns:p14="http://schemas.microsoft.com/office/powerpoint/2010/main" val="1564159237"/>
-      </p:ext>
-    </p:extLst>
   </p:cSld>
   <p:clrMapOvr>
     <a:masterClrMapping/>
@@ -551,13 +483,7 @@
       </p:grpSpPr>
       <p:sp>
         <p:nvSpPr>
-          <p:cNvPr id="2" name="Vertical Title 1">
-            <a:extLst>
-              <a:ext uri="{FF2B5EF4-FFF2-40B4-BE49-F238E27FC236}">
-                <a16:creationId xmlns:a16="http://schemas.microsoft.com/office/drawing/2014/main" id="{6DF6A30F-5E09-A04A-91EE-86AAFC769F16}"/>
-              </a:ext>
-            </a:extLst>
-          </p:cNvPr>
+          <p:cNvPr id="2" name="Vertical Title 1"/>
           <p:cNvSpPr>
             <a:spLocks noGrp="1"/>
           </p:cNvSpPr>
@@ -579,18 +505,13 @@
               <a:rPr lang="en-US"/>
               <a:t>Click to edit Master title style</a:t>
             </a:r>
-          </a:p>
-        </p:txBody>
-      </p:sp>
-      <p:sp>
-        <p:nvSpPr>
-          <p:cNvPr id="3" name="Vertical Text Placeholder 2">
-            <a:extLst>
-              <a:ext uri="{FF2B5EF4-FFF2-40B4-BE49-F238E27FC236}">
-                <a16:creationId xmlns:a16="http://schemas.microsoft.com/office/drawing/2014/main" id="{1542E4E2-E1D4-8D40-A183-AF33BE4F8579}"/>
-              </a:ext>
-            </a:extLst>
-          </p:cNvPr>
+            <a:endParaRPr lang="en-US"/>
+          </a:p>
+        </p:txBody>
+      </p:sp>
+      <p:sp>
+        <p:nvSpPr>
+          <p:cNvPr id="3" name="Vertical Text Placeholder 2"/>
           <p:cNvSpPr>
             <a:spLocks noGrp="1"/>
           </p:cNvSpPr>
@@ -613,6 +534,7 @@
               <a:rPr lang="en-US"/>
               <a:t>Edit Master text styles</a:t>
             </a:r>
+            <a:endParaRPr lang="en-US"/>
           </a:p>
           <a:p>
             <a:pPr lvl="1"/>
@@ -620,6 +542,7 @@
               <a:rPr lang="en-US"/>
               <a:t>Second level</a:t>
             </a:r>
+            <a:endParaRPr lang="en-US"/>
           </a:p>
           <a:p>
             <a:pPr lvl="2"/>
@@ -627,6 +550,7 @@
               <a:rPr lang="en-US"/>
               <a:t>Third level</a:t>
             </a:r>
+            <a:endParaRPr lang="en-US"/>
           </a:p>
           <a:p>
             <a:pPr lvl="3"/>
@@ -634,6 +558,7 @@
               <a:rPr lang="en-US"/>
               <a:t>Fourth level</a:t>
             </a:r>
+            <a:endParaRPr lang="en-US"/>
           </a:p>
           <a:p>
             <a:pPr lvl="4"/>
@@ -641,18 +566,13 @@
               <a:rPr lang="en-US"/>
               <a:t>Fifth level</a:t>
             </a:r>
-          </a:p>
-        </p:txBody>
-      </p:sp>
-      <p:sp>
-        <p:nvSpPr>
-          <p:cNvPr id="4" name="Date Placeholder 3">
-            <a:extLst>
-              <a:ext uri="{FF2B5EF4-FFF2-40B4-BE49-F238E27FC236}">
-                <a16:creationId xmlns:a16="http://schemas.microsoft.com/office/drawing/2014/main" id="{822551B2-E387-214A-AA33-64DF153CEB90}"/>
-              </a:ext>
-            </a:extLst>
-          </p:cNvPr>
+            <a:endParaRPr lang="en-US"/>
+          </a:p>
+        </p:txBody>
+      </p:sp>
+      <p:sp>
+        <p:nvSpPr>
+          <p:cNvPr id="4" name="Date Placeholder 3"/>
           <p:cNvSpPr>
             <a:spLocks noGrp="1"/>
           </p:cNvSpPr>
@@ -667,7 +587,6 @@
           <a:p>
             <a:fld id="{C7085146-0BF9-7E45-AACD-59CE42CB07C4}" type="datetimeFigureOut">
               <a:rPr lang="en-US" smtClean="0"/>
-              <a:t>6/20/22</a:t>
             </a:fld>
             <a:endParaRPr lang="en-US"/>
           </a:p>
@@ -675,13 +594,7 @@
       </p:sp>
       <p:sp>
         <p:nvSpPr>
-          <p:cNvPr id="5" name="Footer Placeholder 4">
-            <a:extLst>
-              <a:ext uri="{FF2B5EF4-FFF2-40B4-BE49-F238E27FC236}">
-                <a16:creationId xmlns:a16="http://schemas.microsoft.com/office/drawing/2014/main" id="{2392ABA5-C195-8146-BCC0-B39C4C954E4B}"/>
-              </a:ext>
-            </a:extLst>
-          </p:cNvPr>
+          <p:cNvPr id="5" name="Footer Placeholder 4"/>
           <p:cNvSpPr>
             <a:spLocks noGrp="1"/>
           </p:cNvSpPr>
@@ -700,13 +613,7 @@
       </p:sp>
       <p:sp>
         <p:nvSpPr>
-          <p:cNvPr id="6" name="Slide Number Placeholder 5">
-            <a:extLst>
-              <a:ext uri="{FF2B5EF4-FFF2-40B4-BE49-F238E27FC236}">
-                <a16:creationId xmlns:a16="http://schemas.microsoft.com/office/drawing/2014/main" id="{D00F8BFC-DF2F-0248-A170-36F3482AEBA1}"/>
-              </a:ext>
-            </a:extLst>
-          </p:cNvPr>
+          <p:cNvPr id="6" name="Slide Number Placeholder 5"/>
           <p:cNvSpPr>
             <a:spLocks noGrp="1"/>
           </p:cNvSpPr>
@@ -721,18 +628,12 @@
           <a:p>
             <a:fld id="{73291ABB-8B41-464E-A5D6-723C5EF960A7}" type="slidenum">
               <a:rPr lang="en-US" smtClean="0"/>
-              <a:t>‹#›</a:t>
             </a:fld>
             <a:endParaRPr lang="en-US"/>
           </a:p>
         </p:txBody>
       </p:sp>
     </p:spTree>
-    <p:extLst>
-      <p:ext uri="{BB962C8B-B14F-4D97-AF65-F5344CB8AC3E}">
-        <p14:creationId xmlns:p14="http://schemas.microsoft.com/office/powerpoint/2010/main" val="1734954315"/>
-      </p:ext>
-    </p:extLst>
   </p:cSld>
   <p:clrMapOvr>
     <a:masterClrMapping/>
@@ -759,13 +660,7 @@
       </p:grpSpPr>
       <p:sp>
         <p:nvSpPr>
-          <p:cNvPr id="2" name="Title 1">
-            <a:extLst>
-              <a:ext uri="{FF2B5EF4-FFF2-40B4-BE49-F238E27FC236}">
-                <a16:creationId xmlns:a16="http://schemas.microsoft.com/office/drawing/2014/main" id="{EDA7A8C7-F209-3E49-875C-425A284CD4E2}"/>
-              </a:ext>
-            </a:extLst>
-          </p:cNvPr>
+          <p:cNvPr id="2" name="Title 1"/>
           <p:cNvSpPr>
             <a:spLocks noGrp="1"/>
           </p:cNvSpPr>
@@ -782,18 +677,13 @@
               <a:rPr lang="en-US"/>
               <a:t>Click to edit Master title style</a:t>
             </a:r>
-          </a:p>
-        </p:txBody>
-      </p:sp>
-      <p:sp>
-        <p:nvSpPr>
-          <p:cNvPr id="3" name="Content Placeholder 2">
-            <a:extLst>
-              <a:ext uri="{FF2B5EF4-FFF2-40B4-BE49-F238E27FC236}">
-                <a16:creationId xmlns:a16="http://schemas.microsoft.com/office/drawing/2014/main" id="{D431CC01-C10F-7847-BA8B-99770C5ACC0F}"/>
-              </a:ext>
-            </a:extLst>
-          </p:cNvPr>
+            <a:endParaRPr lang="en-US"/>
+          </a:p>
+        </p:txBody>
+      </p:sp>
+      <p:sp>
+        <p:nvSpPr>
+          <p:cNvPr id="3" name="Content Placeholder 2"/>
           <p:cNvSpPr>
             <a:spLocks noGrp="1"/>
           </p:cNvSpPr>
@@ -811,6 +701,7 @@
               <a:rPr lang="en-US"/>
               <a:t>Edit Master text styles</a:t>
             </a:r>
+            <a:endParaRPr lang="en-US"/>
           </a:p>
           <a:p>
             <a:pPr lvl="1"/>
@@ -818,6 +709,7 @@
               <a:rPr lang="en-US"/>
               <a:t>Second level</a:t>
             </a:r>
+            <a:endParaRPr lang="en-US"/>
           </a:p>
           <a:p>
             <a:pPr lvl="2"/>
@@ -825,6 +717,7 @@
               <a:rPr lang="en-US"/>
               <a:t>Third level</a:t>
             </a:r>
+            <a:endParaRPr lang="en-US"/>
           </a:p>
           <a:p>
             <a:pPr lvl="3"/>
@@ -832,6 +725,7 @@
               <a:rPr lang="en-US"/>
               <a:t>Fourth level</a:t>
             </a:r>
+            <a:endParaRPr lang="en-US"/>
           </a:p>
           <a:p>
             <a:pPr lvl="4"/>
@@ -839,18 +733,13 @@
               <a:rPr lang="en-US"/>
               <a:t>Fifth level</a:t>
             </a:r>
-          </a:p>
-        </p:txBody>
-      </p:sp>
-      <p:sp>
-        <p:nvSpPr>
-          <p:cNvPr id="4" name="Date Placeholder 3">
-            <a:extLst>
-              <a:ext uri="{FF2B5EF4-FFF2-40B4-BE49-F238E27FC236}">
-                <a16:creationId xmlns:a16="http://schemas.microsoft.com/office/drawing/2014/main" id="{5721318F-0E53-C94E-9166-3142F1551E96}"/>
-              </a:ext>
-            </a:extLst>
-          </p:cNvPr>
+            <a:endParaRPr lang="en-US"/>
+          </a:p>
+        </p:txBody>
+      </p:sp>
+      <p:sp>
+        <p:nvSpPr>
+          <p:cNvPr id="4" name="Date Placeholder 3"/>
           <p:cNvSpPr>
             <a:spLocks noGrp="1"/>
           </p:cNvSpPr>
@@ -865,7 +754,6 @@
           <a:p>
             <a:fld id="{C7085146-0BF9-7E45-AACD-59CE42CB07C4}" type="datetimeFigureOut">
               <a:rPr lang="en-US" smtClean="0"/>
-              <a:t>6/20/22</a:t>
             </a:fld>
             <a:endParaRPr lang="en-US"/>
           </a:p>
@@ -873,13 +761,7 @@
       </p:sp>
       <p:sp>
         <p:nvSpPr>
-          <p:cNvPr id="5" name="Footer Placeholder 4">
-            <a:extLst>
-              <a:ext uri="{FF2B5EF4-FFF2-40B4-BE49-F238E27FC236}">
-                <a16:creationId xmlns:a16="http://schemas.microsoft.com/office/drawing/2014/main" id="{3006CF9C-33F4-F34B-A8A9-66A860009943}"/>
-              </a:ext>
-            </a:extLst>
-          </p:cNvPr>
+          <p:cNvPr id="5" name="Footer Placeholder 4"/>
           <p:cNvSpPr>
             <a:spLocks noGrp="1"/>
           </p:cNvSpPr>
@@ -898,13 +780,7 @@
       </p:sp>
       <p:sp>
         <p:nvSpPr>
-          <p:cNvPr id="6" name="Slide Number Placeholder 5">
-            <a:extLst>
-              <a:ext uri="{FF2B5EF4-FFF2-40B4-BE49-F238E27FC236}">
-                <a16:creationId xmlns:a16="http://schemas.microsoft.com/office/drawing/2014/main" id="{ED638FA2-BD2C-1340-A3BD-930D9EB0E039}"/>
-              </a:ext>
-            </a:extLst>
-          </p:cNvPr>
+          <p:cNvPr id="6" name="Slide Number Placeholder 5"/>
           <p:cNvSpPr>
             <a:spLocks noGrp="1"/>
           </p:cNvSpPr>
@@ -919,18 +795,12 @@
           <a:p>
             <a:fld id="{73291ABB-8B41-464E-A5D6-723C5EF960A7}" type="slidenum">
               <a:rPr lang="en-US" smtClean="0"/>
-              <a:t>‹#›</a:t>
             </a:fld>
             <a:endParaRPr lang="en-US"/>
           </a:p>
         </p:txBody>
       </p:sp>
     </p:spTree>
-    <p:extLst>
-      <p:ext uri="{BB962C8B-B14F-4D97-AF65-F5344CB8AC3E}">
-        <p14:creationId xmlns:p14="http://schemas.microsoft.com/office/powerpoint/2010/main" val="3025825352"/>
-      </p:ext>
-    </p:extLst>
   </p:cSld>
   <p:clrMapOvr>
     <a:masterClrMapping/>
@@ -957,13 +827,7 @@
       </p:grpSpPr>
       <p:sp>
         <p:nvSpPr>
-          <p:cNvPr id="2" name="Title 1">
-            <a:extLst>
-              <a:ext uri="{FF2B5EF4-FFF2-40B4-BE49-F238E27FC236}">
-                <a16:creationId xmlns:a16="http://schemas.microsoft.com/office/drawing/2014/main" id="{A74DAA4D-7D3E-1A44-BD21-1AF9FFCCB984}"/>
-              </a:ext>
-            </a:extLst>
-          </p:cNvPr>
+          <p:cNvPr id="2" name="Title 1"/>
           <p:cNvSpPr>
             <a:spLocks noGrp="1"/>
           </p:cNvSpPr>
@@ -989,18 +853,13 @@
               <a:rPr lang="en-US"/>
               <a:t>Click to edit Master title style</a:t>
             </a:r>
-          </a:p>
-        </p:txBody>
-      </p:sp>
-      <p:sp>
-        <p:nvSpPr>
-          <p:cNvPr id="3" name="Text Placeholder 2">
-            <a:extLst>
-              <a:ext uri="{FF2B5EF4-FFF2-40B4-BE49-F238E27FC236}">
-                <a16:creationId xmlns:a16="http://schemas.microsoft.com/office/drawing/2014/main" id="{2A1DE197-3E6C-AF42-A52E-DB5521C75CD4}"/>
-              </a:ext>
-            </a:extLst>
-          </p:cNvPr>
+            <a:endParaRPr lang="en-US"/>
+          </a:p>
+        </p:txBody>
+      </p:sp>
+      <p:sp>
+        <p:nvSpPr>
+          <p:cNvPr id="3" name="Text Placeholder 2"/>
           <p:cNvSpPr>
             <a:spLocks noGrp="1"/>
           </p:cNvSpPr>
@@ -1114,18 +973,13 @@
               <a:rPr lang="en-US"/>
               <a:t>Edit Master text styles</a:t>
             </a:r>
-          </a:p>
-        </p:txBody>
-      </p:sp>
-      <p:sp>
-        <p:nvSpPr>
-          <p:cNvPr id="4" name="Date Placeholder 3">
-            <a:extLst>
-              <a:ext uri="{FF2B5EF4-FFF2-40B4-BE49-F238E27FC236}">
-                <a16:creationId xmlns:a16="http://schemas.microsoft.com/office/drawing/2014/main" id="{6370A343-F32D-1D41-B510-074DFF0F294B}"/>
-              </a:ext>
-            </a:extLst>
-          </p:cNvPr>
+            <a:endParaRPr lang="en-US"/>
+          </a:p>
+        </p:txBody>
+      </p:sp>
+      <p:sp>
+        <p:nvSpPr>
+          <p:cNvPr id="4" name="Date Placeholder 3"/>
           <p:cNvSpPr>
             <a:spLocks noGrp="1"/>
           </p:cNvSpPr>
@@ -1140,7 +994,6 @@
           <a:p>
             <a:fld id="{C7085146-0BF9-7E45-AACD-59CE42CB07C4}" type="datetimeFigureOut">
               <a:rPr lang="en-US" smtClean="0"/>
-              <a:t>6/20/22</a:t>
             </a:fld>
             <a:endParaRPr lang="en-US"/>
           </a:p>
@@ -1148,13 +1001,7 @@
       </p:sp>
       <p:sp>
         <p:nvSpPr>
-          <p:cNvPr id="5" name="Footer Placeholder 4">
-            <a:extLst>
-              <a:ext uri="{FF2B5EF4-FFF2-40B4-BE49-F238E27FC236}">
-                <a16:creationId xmlns:a16="http://schemas.microsoft.com/office/drawing/2014/main" id="{614C34FC-D6C1-B049-8018-55C7B9E6BC53}"/>
-              </a:ext>
-            </a:extLst>
-          </p:cNvPr>
+          <p:cNvPr id="5" name="Footer Placeholder 4"/>
           <p:cNvSpPr>
             <a:spLocks noGrp="1"/>
           </p:cNvSpPr>
@@ -1173,13 +1020,7 @@
       </p:sp>
       <p:sp>
         <p:nvSpPr>
-          <p:cNvPr id="6" name="Slide Number Placeholder 5">
-            <a:extLst>
-              <a:ext uri="{FF2B5EF4-FFF2-40B4-BE49-F238E27FC236}">
-                <a16:creationId xmlns:a16="http://schemas.microsoft.com/office/drawing/2014/main" id="{A7BC9CD1-56FB-DF4D-BC2A-69F115FF063A}"/>
-              </a:ext>
-            </a:extLst>
-          </p:cNvPr>
+          <p:cNvPr id="6" name="Slide Number Placeholder 5"/>
           <p:cNvSpPr>
             <a:spLocks noGrp="1"/>
           </p:cNvSpPr>
@@ -1194,18 +1035,12 @@
           <a:p>
             <a:fld id="{73291ABB-8B41-464E-A5D6-723C5EF960A7}" type="slidenum">
               <a:rPr lang="en-US" smtClean="0"/>
-              <a:t>‹#›</a:t>
             </a:fld>
             <a:endParaRPr lang="en-US"/>
           </a:p>
         </p:txBody>
       </p:sp>
     </p:spTree>
-    <p:extLst>
-      <p:ext uri="{BB962C8B-B14F-4D97-AF65-F5344CB8AC3E}">
-        <p14:creationId xmlns:p14="http://schemas.microsoft.com/office/powerpoint/2010/main" val="1718460991"/>
-      </p:ext>
-    </p:extLst>
   </p:cSld>
   <p:clrMapOvr>
     <a:masterClrMapping/>
@@ -1232,13 +1067,7 @@
       </p:grpSpPr>
       <p:sp>
         <p:nvSpPr>
-          <p:cNvPr id="2" name="Title 1">
-            <a:extLst>
-              <a:ext uri="{FF2B5EF4-FFF2-40B4-BE49-F238E27FC236}">
-                <a16:creationId xmlns:a16="http://schemas.microsoft.com/office/drawing/2014/main" id="{AAA61B73-CC5E-B842-9663-8D3F29266823}"/>
-              </a:ext>
-            </a:extLst>
-          </p:cNvPr>
+          <p:cNvPr id="2" name="Title 1"/>
           <p:cNvSpPr>
             <a:spLocks noGrp="1"/>
           </p:cNvSpPr>
@@ -1255,18 +1084,13 @@
               <a:rPr lang="en-US"/>
               <a:t>Click to edit Master title style</a:t>
             </a:r>
-          </a:p>
-        </p:txBody>
-      </p:sp>
-      <p:sp>
-        <p:nvSpPr>
-          <p:cNvPr id="3" name="Content Placeholder 2">
-            <a:extLst>
-              <a:ext uri="{FF2B5EF4-FFF2-40B4-BE49-F238E27FC236}">
-                <a16:creationId xmlns:a16="http://schemas.microsoft.com/office/drawing/2014/main" id="{924FEFED-D3F6-7644-BF9F-94E966C0B32D}"/>
-              </a:ext>
-            </a:extLst>
-          </p:cNvPr>
+            <a:endParaRPr lang="en-US"/>
+          </a:p>
+        </p:txBody>
+      </p:sp>
+      <p:sp>
+        <p:nvSpPr>
+          <p:cNvPr id="3" name="Content Placeholder 2"/>
           <p:cNvSpPr>
             <a:spLocks noGrp="1"/>
           </p:cNvSpPr>
@@ -1289,6 +1113,7 @@
               <a:rPr lang="en-US"/>
               <a:t>Edit Master text styles</a:t>
             </a:r>
+            <a:endParaRPr lang="en-US"/>
           </a:p>
           <a:p>
             <a:pPr lvl="1"/>
@@ -1296,6 +1121,7 @@
               <a:rPr lang="en-US"/>
               <a:t>Second level</a:t>
             </a:r>
+            <a:endParaRPr lang="en-US"/>
           </a:p>
           <a:p>
             <a:pPr lvl="2"/>
@@ -1303,6 +1129,7 @@
               <a:rPr lang="en-US"/>
               <a:t>Third level</a:t>
             </a:r>
+            <a:endParaRPr lang="en-US"/>
           </a:p>
           <a:p>
             <a:pPr lvl="3"/>
@@ -1310,6 +1137,7 @@
               <a:rPr lang="en-US"/>
               <a:t>Fourth level</a:t>
             </a:r>
+            <a:endParaRPr lang="en-US"/>
           </a:p>
           <a:p>
             <a:pPr lvl="4"/>
@@ -1317,18 +1145,13 @@
               <a:rPr lang="en-US"/>
               <a:t>Fifth level</a:t>
             </a:r>
-          </a:p>
-        </p:txBody>
-      </p:sp>
-      <p:sp>
-        <p:nvSpPr>
-          <p:cNvPr id="4" name="Content Placeholder 3">
-            <a:extLst>
-              <a:ext uri="{FF2B5EF4-FFF2-40B4-BE49-F238E27FC236}">
-                <a16:creationId xmlns:a16="http://schemas.microsoft.com/office/drawing/2014/main" id="{1E6ABDD2-E022-A346-8960-6888286321B8}"/>
-              </a:ext>
-            </a:extLst>
-          </p:cNvPr>
+            <a:endParaRPr lang="en-US"/>
+          </a:p>
+        </p:txBody>
+      </p:sp>
+      <p:sp>
+        <p:nvSpPr>
+          <p:cNvPr id="4" name="Content Placeholder 3"/>
           <p:cNvSpPr>
             <a:spLocks noGrp="1"/>
           </p:cNvSpPr>
@@ -1351,6 +1174,7 @@
               <a:rPr lang="en-US"/>
               <a:t>Edit Master text styles</a:t>
             </a:r>
+            <a:endParaRPr lang="en-US"/>
           </a:p>
           <a:p>
             <a:pPr lvl="1"/>
@@ -1358,6 +1182,7 @@
               <a:rPr lang="en-US"/>
               <a:t>Second level</a:t>
             </a:r>
+            <a:endParaRPr lang="en-US"/>
           </a:p>
           <a:p>
             <a:pPr lvl="2"/>
@@ -1365,6 +1190,7 @@
               <a:rPr lang="en-US"/>
               <a:t>Third level</a:t>
             </a:r>
+            <a:endParaRPr lang="en-US"/>
           </a:p>
           <a:p>
             <a:pPr lvl="3"/>
@@ -1372,6 +1198,7 @@
               <a:rPr lang="en-US"/>
               <a:t>Fourth level</a:t>
             </a:r>
+            <a:endParaRPr lang="en-US"/>
           </a:p>
           <a:p>
             <a:pPr lvl="4"/>
@@ -1379,18 +1206,13 @@
               <a:rPr lang="en-US"/>
               <a:t>Fifth level</a:t>
             </a:r>
-          </a:p>
-        </p:txBody>
-      </p:sp>
-      <p:sp>
-        <p:nvSpPr>
-          <p:cNvPr id="5" name="Date Placeholder 4">
-            <a:extLst>
-              <a:ext uri="{FF2B5EF4-FFF2-40B4-BE49-F238E27FC236}">
-                <a16:creationId xmlns:a16="http://schemas.microsoft.com/office/drawing/2014/main" id="{99E0BC95-E9D7-3C41-BC19-DFD21A711F87}"/>
-              </a:ext>
-            </a:extLst>
-          </p:cNvPr>
+            <a:endParaRPr lang="en-US"/>
+          </a:p>
+        </p:txBody>
+      </p:sp>
+      <p:sp>
+        <p:nvSpPr>
+          <p:cNvPr id="5" name="Date Placeholder 4"/>
           <p:cNvSpPr>
             <a:spLocks noGrp="1"/>
           </p:cNvSpPr>
@@ -1405,7 +1227,6 @@
           <a:p>
             <a:fld id="{C7085146-0BF9-7E45-AACD-59CE42CB07C4}" type="datetimeFigureOut">
               <a:rPr lang="en-US" smtClean="0"/>
-              <a:t>6/20/22</a:t>
             </a:fld>
             <a:endParaRPr lang="en-US"/>
           </a:p>
@@ -1413,13 +1234,7 @@
       </p:sp>
       <p:sp>
         <p:nvSpPr>
-          <p:cNvPr id="6" name="Footer Placeholder 5">
-            <a:extLst>
-              <a:ext uri="{FF2B5EF4-FFF2-40B4-BE49-F238E27FC236}">
-                <a16:creationId xmlns:a16="http://schemas.microsoft.com/office/drawing/2014/main" id="{67F25388-E238-AF46-B38B-E92363D98BC2}"/>
-              </a:ext>
-            </a:extLst>
-          </p:cNvPr>
+          <p:cNvPr id="6" name="Footer Placeholder 5"/>
           <p:cNvSpPr>
             <a:spLocks noGrp="1"/>
           </p:cNvSpPr>
@@ -1438,13 +1253,7 @@
       </p:sp>
       <p:sp>
         <p:nvSpPr>
-          <p:cNvPr id="7" name="Slide Number Placeholder 6">
-            <a:extLst>
-              <a:ext uri="{FF2B5EF4-FFF2-40B4-BE49-F238E27FC236}">
-                <a16:creationId xmlns:a16="http://schemas.microsoft.com/office/drawing/2014/main" id="{A4B46D57-4B2D-094A-8653-65C01184FCEE}"/>
-              </a:ext>
-            </a:extLst>
-          </p:cNvPr>
+          <p:cNvPr id="7" name="Slide Number Placeholder 6"/>
           <p:cNvSpPr>
             <a:spLocks noGrp="1"/>
           </p:cNvSpPr>
@@ -1459,18 +1268,12 @@
           <a:p>
             <a:fld id="{73291ABB-8B41-464E-A5D6-723C5EF960A7}" type="slidenum">
               <a:rPr lang="en-US" smtClean="0"/>
-              <a:t>‹#›</a:t>
             </a:fld>
             <a:endParaRPr lang="en-US"/>
           </a:p>
         </p:txBody>
       </p:sp>
     </p:spTree>
-    <p:extLst>
-      <p:ext uri="{BB962C8B-B14F-4D97-AF65-F5344CB8AC3E}">
-        <p14:creationId xmlns:p14="http://schemas.microsoft.com/office/powerpoint/2010/main" val="1107821406"/>
-      </p:ext>
-    </p:extLst>
   </p:cSld>
   <p:clrMapOvr>
     <a:masterClrMapping/>
@@ -1497,13 +1300,7 @@
       </p:grpSpPr>
       <p:sp>
         <p:nvSpPr>
-          <p:cNvPr id="2" name="Title 1">
-            <a:extLst>
-              <a:ext uri="{FF2B5EF4-FFF2-40B4-BE49-F238E27FC236}">
-                <a16:creationId xmlns:a16="http://schemas.microsoft.com/office/drawing/2014/main" id="{F5016CF5-F9C1-954A-93B0-4A3D316B4B52}"/>
-              </a:ext>
-            </a:extLst>
-          </p:cNvPr>
+          <p:cNvPr id="2" name="Title 1"/>
           <p:cNvSpPr>
             <a:spLocks noGrp="1"/>
           </p:cNvSpPr>
@@ -1525,18 +1322,13 @@
               <a:rPr lang="en-US"/>
               <a:t>Click to edit Master title style</a:t>
             </a:r>
-          </a:p>
-        </p:txBody>
-      </p:sp>
-      <p:sp>
-        <p:nvSpPr>
-          <p:cNvPr id="3" name="Text Placeholder 2">
-            <a:extLst>
-              <a:ext uri="{FF2B5EF4-FFF2-40B4-BE49-F238E27FC236}">
-                <a16:creationId xmlns:a16="http://schemas.microsoft.com/office/drawing/2014/main" id="{DB86E843-A098-E14B-8C75-B9E674C64893}"/>
-              </a:ext>
-            </a:extLst>
-          </p:cNvPr>
+            <a:endParaRPr lang="en-US"/>
+          </a:p>
+        </p:txBody>
+      </p:sp>
+      <p:sp>
+        <p:nvSpPr>
+          <p:cNvPr id="3" name="Text Placeholder 2"/>
           <p:cNvSpPr>
             <a:spLocks noGrp="1"/>
           </p:cNvSpPr>
@@ -1596,18 +1388,13 @@
               <a:rPr lang="en-US"/>
               <a:t>Edit Master text styles</a:t>
             </a:r>
-          </a:p>
-        </p:txBody>
-      </p:sp>
-      <p:sp>
-        <p:nvSpPr>
-          <p:cNvPr id="4" name="Content Placeholder 3">
-            <a:extLst>
-              <a:ext uri="{FF2B5EF4-FFF2-40B4-BE49-F238E27FC236}">
-                <a16:creationId xmlns:a16="http://schemas.microsoft.com/office/drawing/2014/main" id="{559A05A4-23D7-4245-99D8-68403EDA1D34}"/>
-              </a:ext>
-            </a:extLst>
-          </p:cNvPr>
+            <a:endParaRPr lang="en-US"/>
+          </a:p>
+        </p:txBody>
+      </p:sp>
+      <p:sp>
+        <p:nvSpPr>
+          <p:cNvPr id="4" name="Content Placeholder 3"/>
           <p:cNvSpPr>
             <a:spLocks noGrp="1"/>
           </p:cNvSpPr>
@@ -1630,6 +1417,7 @@
               <a:rPr lang="en-US"/>
               <a:t>Edit Master text styles</a:t>
             </a:r>
+            <a:endParaRPr lang="en-US"/>
           </a:p>
           <a:p>
             <a:pPr lvl="1"/>
@@ -1637,6 +1425,7 @@
               <a:rPr lang="en-US"/>
               <a:t>Second level</a:t>
             </a:r>
+            <a:endParaRPr lang="en-US"/>
           </a:p>
           <a:p>
             <a:pPr lvl="2"/>
@@ -1644,6 +1433,7 @@
               <a:rPr lang="en-US"/>
               <a:t>Third level</a:t>
             </a:r>
+            <a:endParaRPr lang="en-US"/>
           </a:p>
           <a:p>
             <a:pPr lvl="3"/>
@@ -1651,6 +1441,7 @@
               <a:rPr lang="en-US"/>
               <a:t>Fourth level</a:t>
             </a:r>
+            <a:endParaRPr lang="en-US"/>
           </a:p>
           <a:p>
             <a:pPr lvl="4"/>
@@ -1658,18 +1449,13 @@
               <a:rPr lang="en-US"/>
               <a:t>Fifth level</a:t>
             </a:r>
-          </a:p>
-        </p:txBody>
-      </p:sp>
-      <p:sp>
-        <p:nvSpPr>
-          <p:cNvPr id="5" name="Text Placeholder 4">
-            <a:extLst>
-              <a:ext uri="{FF2B5EF4-FFF2-40B4-BE49-F238E27FC236}">
-                <a16:creationId xmlns:a16="http://schemas.microsoft.com/office/drawing/2014/main" id="{86131FB7-29F8-0346-AFFA-8EEBE0EFC432}"/>
-              </a:ext>
-            </a:extLst>
-          </p:cNvPr>
+            <a:endParaRPr lang="en-US"/>
+          </a:p>
+        </p:txBody>
+      </p:sp>
+      <p:sp>
+        <p:nvSpPr>
+          <p:cNvPr id="5" name="Text Placeholder 4"/>
           <p:cNvSpPr>
             <a:spLocks noGrp="1"/>
           </p:cNvSpPr>
@@ -1729,18 +1515,13 @@
               <a:rPr lang="en-US"/>
               <a:t>Edit Master text styles</a:t>
             </a:r>
-          </a:p>
-        </p:txBody>
-      </p:sp>
-      <p:sp>
-        <p:nvSpPr>
-          <p:cNvPr id="6" name="Content Placeholder 5">
-            <a:extLst>
-              <a:ext uri="{FF2B5EF4-FFF2-40B4-BE49-F238E27FC236}">
-                <a16:creationId xmlns:a16="http://schemas.microsoft.com/office/drawing/2014/main" id="{B30CFA59-D537-2340-B27E-958C292D99FC}"/>
-              </a:ext>
-            </a:extLst>
-          </p:cNvPr>
+            <a:endParaRPr lang="en-US"/>
+          </a:p>
+        </p:txBody>
+      </p:sp>
+      <p:sp>
+        <p:nvSpPr>
+          <p:cNvPr id="6" name="Content Placeholder 5"/>
           <p:cNvSpPr>
             <a:spLocks noGrp="1"/>
           </p:cNvSpPr>
@@ -1763,6 +1544,7 @@
               <a:rPr lang="en-US"/>
               <a:t>Edit Master text styles</a:t>
             </a:r>
+            <a:endParaRPr lang="en-US"/>
           </a:p>
           <a:p>
             <a:pPr lvl="1"/>
@@ -1770,6 +1552,7 @@
               <a:rPr lang="en-US"/>
               <a:t>Second level</a:t>
             </a:r>
+            <a:endParaRPr lang="en-US"/>
           </a:p>
           <a:p>
             <a:pPr lvl="2"/>
@@ -1777,6 +1560,7 @@
               <a:rPr lang="en-US"/>
               <a:t>Third level</a:t>
             </a:r>
+            <a:endParaRPr lang="en-US"/>
           </a:p>
           <a:p>
             <a:pPr lvl="3"/>
@@ -1784,6 +1568,7 @@
               <a:rPr lang="en-US"/>
               <a:t>Fourth level</a:t>
             </a:r>
+            <a:endParaRPr lang="en-US"/>
           </a:p>
           <a:p>
             <a:pPr lvl="4"/>
@@ -1791,18 +1576,13 @@
               <a:rPr lang="en-US"/>
               <a:t>Fifth level</a:t>
             </a:r>
-          </a:p>
-        </p:txBody>
-      </p:sp>
-      <p:sp>
-        <p:nvSpPr>
-          <p:cNvPr id="7" name="Date Placeholder 6">
-            <a:extLst>
-              <a:ext uri="{FF2B5EF4-FFF2-40B4-BE49-F238E27FC236}">
-                <a16:creationId xmlns:a16="http://schemas.microsoft.com/office/drawing/2014/main" id="{29F414DB-B3CB-884A-AD51-A3054B536F44}"/>
-              </a:ext>
-            </a:extLst>
-          </p:cNvPr>
+            <a:endParaRPr lang="en-US"/>
+          </a:p>
+        </p:txBody>
+      </p:sp>
+      <p:sp>
+        <p:nvSpPr>
+          <p:cNvPr id="7" name="Date Placeholder 6"/>
           <p:cNvSpPr>
             <a:spLocks noGrp="1"/>
           </p:cNvSpPr>
@@ -1817,7 +1597,6 @@
           <a:p>
             <a:fld id="{C7085146-0BF9-7E45-AACD-59CE42CB07C4}" type="datetimeFigureOut">
               <a:rPr lang="en-US" smtClean="0"/>
-              <a:t>6/20/22</a:t>
             </a:fld>
             <a:endParaRPr lang="en-US"/>
           </a:p>
@@ -1825,13 +1604,7 @@
       </p:sp>
       <p:sp>
         <p:nvSpPr>
-          <p:cNvPr id="8" name="Footer Placeholder 7">
-            <a:extLst>
-              <a:ext uri="{FF2B5EF4-FFF2-40B4-BE49-F238E27FC236}">
-                <a16:creationId xmlns:a16="http://schemas.microsoft.com/office/drawing/2014/main" id="{9366A48A-26BE-9748-B8BF-A748E2ECBB78}"/>
-              </a:ext>
-            </a:extLst>
-          </p:cNvPr>
+          <p:cNvPr id="8" name="Footer Placeholder 7"/>
           <p:cNvSpPr>
             <a:spLocks noGrp="1"/>
           </p:cNvSpPr>
@@ -1850,13 +1623,7 @@
       </p:sp>
       <p:sp>
         <p:nvSpPr>
-          <p:cNvPr id="9" name="Slide Number Placeholder 8">
-            <a:extLst>
-              <a:ext uri="{FF2B5EF4-FFF2-40B4-BE49-F238E27FC236}">
-                <a16:creationId xmlns:a16="http://schemas.microsoft.com/office/drawing/2014/main" id="{C188BA3C-DA05-AF47-BE61-83610EAC10FA}"/>
-              </a:ext>
-            </a:extLst>
-          </p:cNvPr>
+          <p:cNvPr id="9" name="Slide Number Placeholder 8"/>
           <p:cNvSpPr>
             <a:spLocks noGrp="1"/>
           </p:cNvSpPr>
@@ -1871,18 +1638,12 @@
           <a:p>
             <a:fld id="{73291ABB-8B41-464E-A5D6-723C5EF960A7}" type="slidenum">
               <a:rPr lang="en-US" smtClean="0"/>
-              <a:t>‹#›</a:t>
             </a:fld>
             <a:endParaRPr lang="en-US"/>
           </a:p>
         </p:txBody>
       </p:sp>
     </p:spTree>
-    <p:extLst>
-      <p:ext uri="{BB962C8B-B14F-4D97-AF65-F5344CB8AC3E}">
-        <p14:creationId xmlns:p14="http://schemas.microsoft.com/office/powerpoint/2010/main" val="546854943"/>
-      </p:ext>
-    </p:extLst>
   </p:cSld>
   <p:clrMapOvr>
     <a:masterClrMapping/>
@@ -1909,13 +1670,7 @@
       </p:grpSpPr>
       <p:sp>
         <p:nvSpPr>
-          <p:cNvPr id="2" name="Title 1">
-            <a:extLst>
-              <a:ext uri="{FF2B5EF4-FFF2-40B4-BE49-F238E27FC236}">
-                <a16:creationId xmlns:a16="http://schemas.microsoft.com/office/drawing/2014/main" id="{EC83356C-D089-7744-A895-F7589D751424}"/>
-              </a:ext>
-            </a:extLst>
-          </p:cNvPr>
+          <p:cNvPr id="2" name="Title 1"/>
           <p:cNvSpPr>
             <a:spLocks noGrp="1"/>
           </p:cNvSpPr>
@@ -1932,18 +1687,13 @@
               <a:rPr lang="en-US"/>
               <a:t>Click to edit Master title style</a:t>
             </a:r>
-          </a:p>
-        </p:txBody>
-      </p:sp>
-      <p:sp>
-        <p:nvSpPr>
-          <p:cNvPr id="3" name="Date Placeholder 2">
-            <a:extLst>
-              <a:ext uri="{FF2B5EF4-FFF2-40B4-BE49-F238E27FC236}">
-                <a16:creationId xmlns:a16="http://schemas.microsoft.com/office/drawing/2014/main" id="{EC1B005E-CBEB-A245-AD4F-2ACC61AECDE7}"/>
-              </a:ext>
-            </a:extLst>
-          </p:cNvPr>
+            <a:endParaRPr lang="en-US"/>
+          </a:p>
+        </p:txBody>
+      </p:sp>
+      <p:sp>
+        <p:nvSpPr>
+          <p:cNvPr id="3" name="Date Placeholder 2"/>
           <p:cNvSpPr>
             <a:spLocks noGrp="1"/>
           </p:cNvSpPr>
@@ -1958,7 +1708,6 @@
           <a:p>
             <a:fld id="{C7085146-0BF9-7E45-AACD-59CE42CB07C4}" type="datetimeFigureOut">
               <a:rPr lang="en-US" smtClean="0"/>
-              <a:t>6/20/22</a:t>
             </a:fld>
             <a:endParaRPr lang="en-US"/>
           </a:p>
@@ -1966,13 +1715,7 @@
       </p:sp>
       <p:sp>
         <p:nvSpPr>
-          <p:cNvPr id="4" name="Footer Placeholder 3">
-            <a:extLst>
-              <a:ext uri="{FF2B5EF4-FFF2-40B4-BE49-F238E27FC236}">
-                <a16:creationId xmlns:a16="http://schemas.microsoft.com/office/drawing/2014/main" id="{A26B7490-7389-B44A-B370-6A193550D3A9}"/>
-              </a:ext>
-            </a:extLst>
-          </p:cNvPr>
+          <p:cNvPr id="4" name="Footer Placeholder 3"/>
           <p:cNvSpPr>
             <a:spLocks noGrp="1"/>
           </p:cNvSpPr>
@@ -1991,13 +1734,7 @@
       </p:sp>
       <p:sp>
         <p:nvSpPr>
-          <p:cNvPr id="5" name="Slide Number Placeholder 4">
-            <a:extLst>
-              <a:ext uri="{FF2B5EF4-FFF2-40B4-BE49-F238E27FC236}">
-                <a16:creationId xmlns:a16="http://schemas.microsoft.com/office/drawing/2014/main" id="{127F14B8-6FD8-884A-BE3A-D8AE4BD9BB13}"/>
-              </a:ext>
-            </a:extLst>
-          </p:cNvPr>
+          <p:cNvPr id="5" name="Slide Number Placeholder 4"/>
           <p:cNvSpPr>
             <a:spLocks noGrp="1"/>
           </p:cNvSpPr>
@@ -2012,18 +1749,12 @@
           <a:p>
             <a:fld id="{73291ABB-8B41-464E-A5D6-723C5EF960A7}" type="slidenum">
               <a:rPr lang="en-US" smtClean="0"/>
-              <a:t>‹#›</a:t>
             </a:fld>
             <a:endParaRPr lang="en-US"/>
           </a:p>
         </p:txBody>
       </p:sp>
     </p:spTree>
-    <p:extLst>
-      <p:ext uri="{BB962C8B-B14F-4D97-AF65-F5344CB8AC3E}">
-        <p14:creationId xmlns:p14="http://schemas.microsoft.com/office/powerpoint/2010/main" val="2480808395"/>
-      </p:ext>
-    </p:extLst>
   </p:cSld>
   <p:clrMapOvr>
     <a:masterClrMapping/>
@@ -2050,13 +1781,7 @@
       </p:grpSpPr>
       <p:sp>
         <p:nvSpPr>
-          <p:cNvPr id="2" name="Date Placeholder 1">
-            <a:extLst>
-              <a:ext uri="{FF2B5EF4-FFF2-40B4-BE49-F238E27FC236}">
-                <a16:creationId xmlns:a16="http://schemas.microsoft.com/office/drawing/2014/main" id="{2383E2D5-285E-8F4D-8A34-F4CC5BFABB06}"/>
-              </a:ext>
-            </a:extLst>
-          </p:cNvPr>
+          <p:cNvPr id="2" name="Date Placeholder 1"/>
           <p:cNvSpPr>
             <a:spLocks noGrp="1"/>
           </p:cNvSpPr>
@@ -2071,7 +1796,6 @@
           <a:p>
             <a:fld id="{C7085146-0BF9-7E45-AACD-59CE42CB07C4}" type="datetimeFigureOut">
               <a:rPr lang="en-US" smtClean="0"/>
-              <a:t>6/20/22</a:t>
             </a:fld>
             <a:endParaRPr lang="en-US"/>
           </a:p>
@@ -2079,13 +1803,7 @@
       </p:sp>
       <p:sp>
         <p:nvSpPr>
-          <p:cNvPr id="3" name="Footer Placeholder 2">
-            <a:extLst>
-              <a:ext uri="{FF2B5EF4-FFF2-40B4-BE49-F238E27FC236}">
-                <a16:creationId xmlns:a16="http://schemas.microsoft.com/office/drawing/2014/main" id="{DAE1DE8F-8FBB-DF48-8A54-E8058F5C1ACF}"/>
-              </a:ext>
-            </a:extLst>
-          </p:cNvPr>
+          <p:cNvPr id="3" name="Footer Placeholder 2"/>
           <p:cNvSpPr>
             <a:spLocks noGrp="1"/>
           </p:cNvSpPr>
@@ -2104,13 +1822,7 @@
       </p:sp>
       <p:sp>
         <p:nvSpPr>
-          <p:cNvPr id="4" name="Slide Number Placeholder 3">
-            <a:extLst>
-              <a:ext uri="{FF2B5EF4-FFF2-40B4-BE49-F238E27FC236}">
-                <a16:creationId xmlns:a16="http://schemas.microsoft.com/office/drawing/2014/main" id="{A1E2798A-2967-FB49-BA42-AADC4CCD2C38}"/>
-              </a:ext>
-            </a:extLst>
-          </p:cNvPr>
+          <p:cNvPr id="4" name="Slide Number Placeholder 3"/>
           <p:cNvSpPr>
             <a:spLocks noGrp="1"/>
           </p:cNvSpPr>
@@ -2125,18 +1837,12 @@
           <a:p>
             <a:fld id="{73291ABB-8B41-464E-A5D6-723C5EF960A7}" type="slidenum">
               <a:rPr lang="en-US" smtClean="0"/>
-              <a:t>‹#›</a:t>
             </a:fld>
             <a:endParaRPr lang="en-US"/>
           </a:p>
         </p:txBody>
       </p:sp>
     </p:spTree>
-    <p:extLst>
-      <p:ext uri="{BB962C8B-B14F-4D97-AF65-F5344CB8AC3E}">
-        <p14:creationId xmlns:p14="http://schemas.microsoft.com/office/powerpoint/2010/main" val="3252301654"/>
-      </p:ext>
-    </p:extLst>
   </p:cSld>
   <p:clrMapOvr>
     <a:masterClrMapping/>
@@ -2163,13 +1869,7 @@
       </p:grpSpPr>
       <p:sp>
         <p:nvSpPr>
-          <p:cNvPr id="2" name="Title 1">
-            <a:extLst>
-              <a:ext uri="{FF2B5EF4-FFF2-40B4-BE49-F238E27FC236}">
-                <a16:creationId xmlns:a16="http://schemas.microsoft.com/office/drawing/2014/main" id="{7A12F88B-82CB-2A41-9D33-B1E3E3393665}"/>
-              </a:ext>
-            </a:extLst>
-          </p:cNvPr>
+          <p:cNvPr id="2" name="Title 1"/>
           <p:cNvSpPr>
             <a:spLocks noGrp="1"/>
           </p:cNvSpPr>
@@ -2195,18 +1895,13 @@
               <a:rPr lang="en-US"/>
               <a:t>Click to edit Master title style</a:t>
             </a:r>
-          </a:p>
-        </p:txBody>
-      </p:sp>
-      <p:sp>
-        <p:nvSpPr>
-          <p:cNvPr id="3" name="Content Placeholder 2">
-            <a:extLst>
-              <a:ext uri="{FF2B5EF4-FFF2-40B4-BE49-F238E27FC236}">
-                <a16:creationId xmlns:a16="http://schemas.microsoft.com/office/drawing/2014/main" id="{6A7FB983-9C98-584B-8CDA-D261CE7F5D1F}"/>
-              </a:ext>
-            </a:extLst>
-          </p:cNvPr>
+            <a:endParaRPr lang="en-US"/>
+          </a:p>
+        </p:txBody>
+      </p:sp>
+      <p:sp>
+        <p:nvSpPr>
+          <p:cNvPr id="3" name="Content Placeholder 2"/>
           <p:cNvSpPr>
             <a:spLocks noGrp="1"/>
           </p:cNvSpPr>
@@ -2257,6 +1952,7 @@
               <a:rPr lang="en-US"/>
               <a:t>Edit Master text styles</a:t>
             </a:r>
+            <a:endParaRPr lang="en-US"/>
           </a:p>
           <a:p>
             <a:pPr lvl="1"/>
@@ -2264,6 +1960,7 @@
               <a:rPr lang="en-US"/>
               <a:t>Second level</a:t>
             </a:r>
+            <a:endParaRPr lang="en-US"/>
           </a:p>
           <a:p>
             <a:pPr lvl="2"/>
@@ -2271,6 +1968,7 @@
               <a:rPr lang="en-US"/>
               <a:t>Third level</a:t>
             </a:r>
+            <a:endParaRPr lang="en-US"/>
           </a:p>
           <a:p>
             <a:pPr lvl="3"/>
@@ -2278,6 +1976,7 @@
               <a:rPr lang="en-US"/>
               <a:t>Fourth level</a:t>
             </a:r>
+            <a:endParaRPr lang="en-US"/>
           </a:p>
           <a:p>
             <a:pPr lvl="4"/>
@@ -2285,18 +1984,13 @@
               <a:rPr lang="en-US"/>
               <a:t>Fifth level</a:t>
             </a:r>
-          </a:p>
-        </p:txBody>
-      </p:sp>
-      <p:sp>
-        <p:nvSpPr>
-          <p:cNvPr id="4" name="Text Placeholder 3">
-            <a:extLst>
-              <a:ext uri="{FF2B5EF4-FFF2-40B4-BE49-F238E27FC236}">
-                <a16:creationId xmlns:a16="http://schemas.microsoft.com/office/drawing/2014/main" id="{70379955-C244-0A41-A4D2-ABAC006DCEB7}"/>
-              </a:ext>
-            </a:extLst>
-          </p:cNvPr>
+            <a:endParaRPr lang="en-US"/>
+          </a:p>
+        </p:txBody>
+      </p:sp>
+      <p:sp>
+        <p:nvSpPr>
+          <p:cNvPr id="4" name="Text Placeholder 3"/>
           <p:cNvSpPr>
             <a:spLocks noGrp="1"/>
           </p:cNvSpPr>
@@ -2356,18 +2050,13 @@
               <a:rPr lang="en-US"/>
               <a:t>Edit Master text styles</a:t>
             </a:r>
-          </a:p>
-        </p:txBody>
-      </p:sp>
-      <p:sp>
-        <p:nvSpPr>
-          <p:cNvPr id="5" name="Date Placeholder 4">
-            <a:extLst>
-              <a:ext uri="{FF2B5EF4-FFF2-40B4-BE49-F238E27FC236}">
-                <a16:creationId xmlns:a16="http://schemas.microsoft.com/office/drawing/2014/main" id="{08B7F9B3-92EF-CD4B-8F93-7B256F8F9B42}"/>
-              </a:ext>
-            </a:extLst>
-          </p:cNvPr>
+            <a:endParaRPr lang="en-US"/>
+          </a:p>
+        </p:txBody>
+      </p:sp>
+      <p:sp>
+        <p:nvSpPr>
+          <p:cNvPr id="5" name="Date Placeholder 4"/>
           <p:cNvSpPr>
             <a:spLocks noGrp="1"/>
           </p:cNvSpPr>
@@ -2382,7 +2071,6 @@
           <a:p>
             <a:fld id="{C7085146-0BF9-7E45-AACD-59CE42CB07C4}" type="datetimeFigureOut">
               <a:rPr lang="en-US" smtClean="0"/>
-              <a:t>6/20/22</a:t>
             </a:fld>
             <a:endParaRPr lang="en-US"/>
           </a:p>
@@ -2390,13 +2078,7 @@
       </p:sp>
       <p:sp>
         <p:nvSpPr>
-          <p:cNvPr id="6" name="Footer Placeholder 5">
-            <a:extLst>
-              <a:ext uri="{FF2B5EF4-FFF2-40B4-BE49-F238E27FC236}">
-                <a16:creationId xmlns:a16="http://schemas.microsoft.com/office/drawing/2014/main" id="{5945FEF3-DE7B-CE48-9F08-81C7E54B094D}"/>
-              </a:ext>
-            </a:extLst>
-          </p:cNvPr>
+          <p:cNvPr id="6" name="Footer Placeholder 5"/>
           <p:cNvSpPr>
             <a:spLocks noGrp="1"/>
           </p:cNvSpPr>
@@ -2415,13 +2097,7 @@
       </p:sp>
       <p:sp>
         <p:nvSpPr>
-          <p:cNvPr id="7" name="Slide Number Placeholder 6">
-            <a:extLst>
-              <a:ext uri="{FF2B5EF4-FFF2-40B4-BE49-F238E27FC236}">
-                <a16:creationId xmlns:a16="http://schemas.microsoft.com/office/drawing/2014/main" id="{2945A863-4807-8547-96E8-078EC71F7924}"/>
-              </a:ext>
-            </a:extLst>
-          </p:cNvPr>
+          <p:cNvPr id="7" name="Slide Number Placeholder 6"/>
           <p:cNvSpPr>
             <a:spLocks noGrp="1"/>
           </p:cNvSpPr>
@@ -2436,18 +2112,12 @@
           <a:p>
             <a:fld id="{73291ABB-8B41-464E-A5D6-723C5EF960A7}" type="slidenum">
               <a:rPr lang="en-US" smtClean="0"/>
-              <a:t>‹#›</a:t>
             </a:fld>
             <a:endParaRPr lang="en-US"/>
           </a:p>
         </p:txBody>
       </p:sp>
     </p:spTree>
-    <p:extLst>
-      <p:ext uri="{BB962C8B-B14F-4D97-AF65-F5344CB8AC3E}">
-        <p14:creationId xmlns:p14="http://schemas.microsoft.com/office/powerpoint/2010/main" val="2482658753"/>
-      </p:ext>
-    </p:extLst>
   </p:cSld>
   <p:clrMapOvr>
     <a:masterClrMapping/>
@@ -2474,13 +2144,7 @@
       </p:grpSpPr>
       <p:sp>
         <p:nvSpPr>
-          <p:cNvPr id="2" name="Title 1">
-            <a:extLst>
-              <a:ext uri="{FF2B5EF4-FFF2-40B4-BE49-F238E27FC236}">
-                <a16:creationId xmlns:a16="http://schemas.microsoft.com/office/drawing/2014/main" id="{32AD97DB-A5C6-8147-AFBE-6B7C9413F5F4}"/>
-              </a:ext>
-            </a:extLst>
-          </p:cNvPr>
+          <p:cNvPr id="2" name="Title 1"/>
           <p:cNvSpPr>
             <a:spLocks noGrp="1"/>
           </p:cNvSpPr>
@@ -2506,18 +2170,13 @@
               <a:rPr lang="en-US"/>
               <a:t>Click to edit Master title style</a:t>
             </a:r>
-          </a:p>
-        </p:txBody>
-      </p:sp>
-      <p:sp>
-        <p:nvSpPr>
-          <p:cNvPr id="3" name="Picture Placeholder 2">
-            <a:extLst>
-              <a:ext uri="{FF2B5EF4-FFF2-40B4-BE49-F238E27FC236}">
-                <a16:creationId xmlns:a16="http://schemas.microsoft.com/office/drawing/2014/main" id="{9CE33AC8-AE9D-CF40-9A01-D19106A642AE}"/>
-              </a:ext>
-            </a:extLst>
-          </p:cNvPr>
+            <a:endParaRPr lang="en-US"/>
+          </a:p>
+        </p:txBody>
+      </p:sp>
+      <p:sp>
+        <p:nvSpPr>
+          <p:cNvPr id="3" name="Picture Placeholder 2"/>
           <p:cNvSpPr>
             <a:spLocks noGrp="1"/>
           </p:cNvSpPr>
@@ -2578,13 +2237,7 @@
       </p:sp>
       <p:sp>
         <p:nvSpPr>
-          <p:cNvPr id="4" name="Text Placeholder 3">
-            <a:extLst>
-              <a:ext uri="{FF2B5EF4-FFF2-40B4-BE49-F238E27FC236}">
-                <a16:creationId xmlns:a16="http://schemas.microsoft.com/office/drawing/2014/main" id="{94CEC8BE-26DE-444B-9832-1230C2FEF527}"/>
-              </a:ext>
-            </a:extLst>
-          </p:cNvPr>
+          <p:cNvPr id="4" name="Text Placeholder 3"/>
           <p:cNvSpPr>
             <a:spLocks noGrp="1"/>
           </p:cNvSpPr>
@@ -2644,18 +2297,13 @@
               <a:rPr lang="en-US"/>
               <a:t>Edit Master text styles</a:t>
             </a:r>
-          </a:p>
-        </p:txBody>
-      </p:sp>
-      <p:sp>
-        <p:nvSpPr>
-          <p:cNvPr id="5" name="Date Placeholder 4">
-            <a:extLst>
-              <a:ext uri="{FF2B5EF4-FFF2-40B4-BE49-F238E27FC236}">
-                <a16:creationId xmlns:a16="http://schemas.microsoft.com/office/drawing/2014/main" id="{A2EC3754-61DC-A44E-989F-3C185AAA4FCF}"/>
-              </a:ext>
-            </a:extLst>
-          </p:cNvPr>
+            <a:endParaRPr lang="en-US"/>
+          </a:p>
+        </p:txBody>
+      </p:sp>
+      <p:sp>
+        <p:nvSpPr>
+          <p:cNvPr id="5" name="Date Placeholder 4"/>
           <p:cNvSpPr>
             <a:spLocks noGrp="1"/>
           </p:cNvSpPr>
@@ -2670,7 +2318,6 @@
           <a:p>
             <a:fld id="{C7085146-0BF9-7E45-AACD-59CE42CB07C4}" type="datetimeFigureOut">
               <a:rPr lang="en-US" smtClean="0"/>
-              <a:t>6/20/22</a:t>
             </a:fld>
             <a:endParaRPr lang="en-US"/>
           </a:p>
@@ -2678,13 +2325,7 @@
       </p:sp>
       <p:sp>
         <p:nvSpPr>
-          <p:cNvPr id="6" name="Footer Placeholder 5">
-            <a:extLst>
-              <a:ext uri="{FF2B5EF4-FFF2-40B4-BE49-F238E27FC236}">
-                <a16:creationId xmlns:a16="http://schemas.microsoft.com/office/drawing/2014/main" id="{FDDA75ED-4ADA-564A-9113-82D3CFC67825}"/>
-              </a:ext>
-            </a:extLst>
-          </p:cNvPr>
+          <p:cNvPr id="6" name="Footer Placeholder 5"/>
           <p:cNvSpPr>
             <a:spLocks noGrp="1"/>
           </p:cNvSpPr>
@@ -2703,13 +2344,7 @@
       </p:sp>
       <p:sp>
         <p:nvSpPr>
-          <p:cNvPr id="7" name="Slide Number Placeholder 6">
-            <a:extLst>
-              <a:ext uri="{FF2B5EF4-FFF2-40B4-BE49-F238E27FC236}">
-                <a16:creationId xmlns:a16="http://schemas.microsoft.com/office/drawing/2014/main" id="{A8342F46-DA81-BC4C-AF95-F06D53D95036}"/>
-              </a:ext>
-            </a:extLst>
-          </p:cNvPr>
+          <p:cNvPr id="7" name="Slide Number Placeholder 6"/>
           <p:cNvSpPr>
             <a:spLocks noGrp="1"/>
           </p:cNvSpPr>
@@ -2724,18 +2359,12 @@
           <a:p>
             <a:fld id="{73291ABB-8B41-464E-A5D6-723C5EF960A7}" type="slidenum">
               <a:rPr lang="en-US" smtClean="0"/>
-              <a:t>‹#›</a:t>
             </a:fld>
             <a:endParaRPr lang="en-US"/>
           </a:p>
         </p:txBody>
       </p:sp>
     </p:spTree>
-    <p:extLst>
-      <p:ext uri="{BB962C8B-B14F-4D97-AF65-F5344CB8AC3E}">
-        <p14:creationId xmlns:p14="http://schemas.microsoft.com/office/powerpoint/2010/main" val="3492687952"/>
-      </p:ext>
-    </p:extLst>
   </p:cSld>
   <p:clrMapOvr>
     <a:masterClrMapping/>
@@ -2767,13 +2396,7 @@
       </p:grpSpPr>
       <p:sp>
         <p:nvSpPr>
-          <p:cNvPr id="2" name="Title Placeholder 1">
-            <a:extLst>
-              <a:ext uri="{FF2B5EF4-FFF2-40B4-BE49-F238E27FC236}">
-                <a16:creationId xmlns:a16="http://schemas.microsoft.com/office/drawing/2014/main" id="{EE3AD5AB-57CA-2144-A845-D77B0D917220}"/>
-              </a:ext>
-            </a:extLst>
-          </p:cNvPr>
+          <p:cNvPr id="2" name="Title Placeholder 1"/>
           <p:cNvSpPr>
             <a:spLocks noGrp="1"/>
           </p:cNvSpPr>
@@ -2800,18 +2423,13 @@
               <a:rPr lang="en-US"/>
               <a:t>Click to edit Master title style</a:t>
             </a:r>
-          </a:p>
-        </p:txBody>
-      </p:sp>
-      <p:sp>
-        <p:nvSpPr>
-          <p:cNvPr id="3" name="Text Placeholder 2">
-            <a:extLst>
-              <a:ext uri="{FF2B5EF4-FFF2-40B4-BE49-F238E27FC236}">
-                <a16:creationId xmlns:a16="http://schemas.microsoft.com/office/drawing/2014/main" id="{E2EA4870-C727-8645-8961-0C97CB5CED2A}"/>
-              </a:ext>
-            </a:extLst>
-          </p:cNvPr>
+            <a:endParaRPr lang="en-US"/>
+          </a:p>
+        </p:txBody>
+      </p:sp>
+      <p:sp>
+        <p:nvSpPr>
+          <p:cNvPr id="3" name="Text Placeholder 2"/>
           <p:cNvSpPr>
             <a:spLocks noGrp="1"/>
           </p:cNvSpPr>
@@ -2839,6 +2457,7 @@
               <a:rPr lang="en-US"/>
               <a:t>Edit Master text styles</a:t>
             </a:r>
+            <a:endParaRPr lang="en-US"/>
           </a:p>
           <a:p>
             <a:pPr lvl="1"/>
@@ -2846,6 +2465,7 @@
               <a:rPr lang="en-US"/>
               <a:t>Second level</a:t>
             </a:r>
+            <a:endParaRPr lang="en-US"/>
           </a:p>
           <a:p>
             <a:pPr lvl="2"/>
@@ -2853,6 +2473,7 @@
               <a:rPr lang="en-US"/>
               <a:t>Third level</a:t>
             </a:r>
+            <a:endParaRPr lang="en-US"/>
           </a:p>
           <a:p>
             <a:pPr lvl="3"/>
@@ -2860,6 +2481,7 @@
               <a:rPr lang="en-US"/>
               <a:t>Fourth level</a:t>
             </a:r>
+            <a:endParaRPr lang="en-US"/>
           </a:p>
           <a:p>
             <a:pPr lvl="4"/>
@@ -2867,18 +2489,13 @@
               <a:rPr lang="en-US"/>
               <a:t>Fifth level</a:t>
             </a:r>
-          </a:p>
-        </p:txBody>
-      </p:sp>
-      <p:sp>
-        <p:nvSpPr>
-          <p:cNvPr id="4" name="Date Placeholder 3">
-            <a:extLst>
-              <a:ext uri="{FF2B5EF4-FFF2-40B4-BE49-F238E27FC236}">
-                <a16:creationId xmlns:a16="http://schemas.microsoft.com/office/drawing/2014/main" id="{7E983EE3-1D4A-8B4C-9BDF-B64255FCFF44}"/>
-              </a:ext>
-            </a:extLst>
-          </p:cNvPr>
+            <a:endParaRPr lang="en-US"/>
+          </a:p>
+        </p:txBody>
+      </p:sp>
+      <p:sp>
+        <p:nvSpPr>
+          <p:cNvPr id="4" name="Date Placeholder 3"/>
           <p:cNvSpPr>
             <a:spLocks noGrp="1"/>
           </p:cNvSpPr>
@@ -2911,7 +2528,6 @@
           <a:p>
             <a:fld id="{C7085146-0BF9-7E45-AACD-59CE42CB07C4}" type="datetimeFigureOut">
               <a:rPr lang="en-US" smtClean="0"/>
-              <a:t>6/20/22</a:t>
             </a:fld>
             <a:endParaRPr lang="en-US"/>
           </a:p>
@@ -2919,13 +2535,7 @@
       </p:sp>
       <p:sp>
         <p:nvSpPr>
-          <p:cNvPr id="5" name="Footer Placeholder 4">
-            <a:extLst>
-              <a:ext uri="{FF2B5EF4-FFF2-40B4-BE49-F238E27FC236}">
-                <a16:creationId xmlns:a16="http://schemas.microsoft.com/office/drawing/2014/main" id="{D6A5F1FE-77AD-3F4E-ABE6-9DD1AD1728D3}"/>
-              </a:ext>
-            </a:extLst>
-          </p:cNvPr>
+          <p:cNvPr id="5" name="Footer Placeholder 4"/>
           <p:cNvSpPr>
             <a:spLocks noGrp="1"/>
           </p:cNvSpPr>
@@ -2962,13 +2572,7 @@
       </p:sp>
       <p:sp>
         <p:nvSpPr>
-          <p:cNvPr id="6" name="Slide Number Placeholder 5">
-            <a:extLst>
-              <a:ext uri="{FF2B5EF4-FFF2-40B4-BE49-F238E27FC236}">
-                <a16:creationId xmlns:a16="http://schemas.microsoft.com/office/drawing/2014/main" id="{2FF243E7-1F27-3B40-A711-C64B980BEB9F}"/>
-              </a:ext>
-            </a:extLst>
-          </p:cNvPr>
+          <p:cNvPr id="6" name="Slide Number Placeholder 5"/>
           <p:cNvSpPr>
             <a:spLocks noGrp="1"/>
           </p:cNvSpPr>
@@ -3001,18 +2605,12 @@
           <a:p>
             <a:fld id="{73291ABB-8B41-464E-A5D6-723C5EF960A7}" type="slidenum">
               <a:rPr lang="en-US" smtClean="0"/>
-              <a:t>‹#›</a:t>
             </a:fld>
             <a:endParaRPr lang="en-US"/>
           </a:p>
         </p:txBody>
       </p:sp>
     </p:spTree>
-    <p:extLst>
-      <p:ext uri="{BB962C8B-B14F-4D97-AF65-F5344CB8AC3E}">
-        <p14:creationId xmlns:p14="http://schemas.microsoft.com/office/powerpoint/2010/main" val="2133000797"/>
-      </p:ext>
-    </p:extLst>
   </p:cSld>
   <p:clrMap bg1="lt1" tx1="dk1" bg2="lt2" tx2="dk2" accent1="accent1" accent2="accent2" accent3="accent3" accent4="accent4" accent5="accent5" accent6="accent6" hlink="hlink" folHlink="folHlink"/>
   <p:sldLayoutIdLst>
@@ -3330,13 +2928,7 @@
       </p:grpSpPr>
       <p:sp>
         <p:nvSpPr>
-          <p:cNvPr id="25" name="Rounded Rectangle 24">
-            <a:extLst>
-              <a:ext uri="{FF2B5EF4-FFF2-40B4-BE49-F238E27FC236}">
-                <a16:creationId xmlns:a16="http://schemas.microsoft.com/office/drawing/2014/main" id="{4D60EB7F-A76F-4745-9A06-13ABF295980A}"/>
-              </a:ext>
-            </a:extLst>
-          </p:cNvPr>
+          <p:cNvPr id="25" name="Rounded Rectangle 24"/>
           <p:cNvSpPr/>
           <p:nvPr/>
         </p:nvSpPr>
@@ -3388,13 +2980,7 @@
       </p:sp>
       <p:sp>
         <p:nvSpPr>
-          <p:cNvPr id="5" name="Shape">
-            <a:extLst>
-              <a:ext uri="{FF2B5EF4-FFF2-40B4-BE49-F238E27FC236}">
-                <a16:creationId xmlns:a16="http://schemas.microsoft.com/office/drawing/2014/main" id="{34407B58-3364-5E40-A59A-59A0A8FB0BB1}"/>
-              </a:ext>
-            </a:extLst>
-          </p:cNvPr>
+          <p:cNvPr id="5" name="Shape"/>
           <p:cNvSpPr/>
           <p:nvPr/>
         </p:nvSpPr>
@@ -3473,13 +3059,7 @@
       </p:sp>
       <p:sp>
         <p:nvSpPr>
-          <p:cNvPr id="4" name="Rounded Rectangle 3">
-            <a:extLst>
-              <a:ext uri="{FF2B5EF4-FFF2-40B4-BE49-F238E27FC236}">
-                <a16:creationId xmlns:a16="http://schemas.microsoft.com/office/drawing/2014/main" id="{17C4593D-7768-684E-A396-C71359B1F36D}"/>
-              </a:ext>
-            </a:extLst>
-          </p:cNvPr>
+          <p:cNvPr id="4" name="Rounded Rectangle 3"/>
           <p:cNvSpPr/>
           <p:nvPr/>
         </p:nvSpPr>
@@ -3518,18 +3098,17 @@
               </a:rPr>
               <a:t>Org1 Peer</a:t>
             </a:r>
-          </a:p>
-        </p:txBody>
-      </p:sp>
-      <p:sp>
-        <p:nvSpPr>
-          <p:cNvPr id="6" name="Can 5">
-            <a:extLst>
-              <a:ext uri="{FF2B5EF4-FFF2-40B4-BE49-F238E27FC236}">
-                <a16:creationId xmlns:a16="http://schemas.microsoft.com/office/drawing/2014/main" id="{04508201-6096-F44A-A9AD-9A4FDD9F1712}"/>
-              </a:ext>
-            </a:extLst>
-          </p:cNvPr>
+            <a:endParaRPr lang="en-US" sz="2000" b="1" dirty="0">
+              <a:solidFill>
+                <a:srgbClr val="FFFFFF"/>
+              </a:solidFill>
+            </a:endParaRPr>
+          </a:p>
+        </p:txBody>
+      </p:sp>
+      <p:sp>
+        <p:nvSpPr>
+          <p:cNvPr id="6" name="Can 5"/>
           <p:cNvSpPr/>
           <p:nvPr/>
         </p:nvSpPr>
@@ -3567,13 +3146,18 @@
           <a:p>
             <a:pPr algn="ctr"/>
             <a:r>
-              <a:rPr lang="en-US" sz="1600" u="sng" dirty="0">
-                <a:solidFill>
-                  <a:prstClr val="black"/>
-                </a:solidFill>
-              </a:rPr>
-              <a:t>Channel World State</a:t>
-            </a:r>
+              <a:rPr lang="zh-CN" altLang="en-US" sz="1600" u="sng" dirty="0">
+                <a:solidFill>
+                  <a:prstClr val="black"/>
+                </a:solidFill>
+              </a:rPr>
+              <a:t>通道世界状态</a:t>
+            </a:r>
+            <a:endParaRPr lang="en-US" sz="1600" u="sng" dirty="0">
+              <a:solidFill>
+                <a:prstClr val="black"/>
+              </a:solidFill>
+            </a:endParaRPr>
           </a:p>
           <a:p>
             <a:r>
@@ -3608,6 +3192,11 @@
               </a:rPr>
               <a:t>owner – Org1</a:t>
             </a:r>
+            <a:endParaRPr lang="en-US" sz="1400" dirty="0">
+              <a:solidFill>
+                <a:prstClr val="black"/>
+              </a:solidFill>
+            </a:endParaRPr>
           </a:p>
           <a:p>
             <a:r>
@@ -3642,8 +3231,6 @@
               </a:rPr>
               <a:t>hash(details)</a:t>
             </a:r>
-          </a:p>
-          <a:p>
             <a:endParaRPr lang="en-US" sz="1400" dirty="0">
               <a:solidFill>
                 <a:prstClr val="black"/>
@@ -3664,17 +3251,18 @@
               </a:solidFill>
             </a:endParaRPr>
           </a:p>
-        </p:txBody>
-      </p:sp>
-      <p:sp>
-        <p:nvSpPr>
-          <p:cNvPr id="9" name="Shape">
-            <a:extLst>
-              <a:ext uri="{FF2B5EF4-FFF2-40B4-BE49-F238E27FC236}">
-                <a16:creationId xmlns:a16="http://schemas.microsoft.com/office/drawing/2014/main" id="{41D3593A-016B-DD42-8CC7-4B3ECE3C40A5}"/>
-              </a:ext>
-            </a:extLst>
-          </p:cNvPr>
+          <a:p>
+            <a:endParaRPr lang="en-US" sz="1400" dirty="0">
+              <a:solidFill>
+                <a:prstClr val="black"/>
+              </a:solidFill>
+            </a:endParaRPr>
+          </a:p>
+        </p:txBody>
+      </p:sp>
+      <p:sp>
+        <p:nvSpPr>
+          <p:cNvPr id="9" name="Shape"/>
           <p:cNvSpPr/>
           <p:nvPr/>
         </p:nvSpPr>
@@ -3751,7 +3339,7 @@
               </a:defRPr>
             </a:pPr>
             <a:r>
-              <a:rPr lang="en-US" sz="1400" dirty="0">
+              <a:rPr lang="zh-CN" altLang="en-US" sz="1400" dirty="0">
                 <a:ln w="0"/>
                 <a:solidFill>
                   <a:sysClr val="windowText" lastClr="000000"/>
@@ -3764,33 +3352,28 @@
                   </a:outerShdw>
                 </a:effectLst>
               </a:rPr>
-              <a:t>Ledger</a:t>
-            </a:r>
-            <a:endParaRPr sz="1400" b="1" dirty="0">
-              <a:ln>
-                <a:solidFill>
-                  <a:sysClr val="windowText" lastClr="000000"/>
-                </a:solidFill>
-              </a:ln>
+              <a:t>账本</a:t>
+            </a:r>
+            <a:endParaRPr lang="zh-CN" altLang="en-US" sz="1400" dirty="0">
+              <a:ln w="0"/>
               <a:solidFill>
                 <a:sysClr val="windowText" lastClr="000000"/>
               </a:solidFill>
+              <a:effectLst>
+                <a:outerShdw blurRad="38100" dist="19050" dir="2700000" algn="tl" rotWithShape="0">
+                  <a:schemeClr val="dk1">
+                    <a:alpha val="40000"/>
+                  </a:schemeClr>
+                </a:outerShdw>
+              </a:effectLst>
             </a:endParaRPr>
           </a:p>
         </p:txBody>
       </p:sp>
       <p:cxnSp>
         <p:nvCxnSpPr>
-          <p:cNvPr id="11" name="Straight Connector 10">
-            <a:extLst>
-              <a:ext uri="{FF2B5EF4-FFF2-40B4-BE49-F238E27FC236}">
-                <a16:creationId xmlns:a16="http://schemas.microsoft.com/office/drawing/2014/main" id="{E21D2E90-AB93-0744-81EE-9391F616AF95}"/>
-              </a:ext>
-            </a:extLst>
-          </p:cNvPr>
-          <p:cNvCxnSpPr>
-            <a:cxnSpLocks/>
-          </p:cNvCxnSpPr>
+          <p:cNvPr id="11" name="Straight Connector 10"/>
+          <p:cNvCxnSpPr/>
           <p:nvPr/>
         </p:nvCxnSpPr>
         <p:spPr>
@@ -3819,16 +3402,8 @@
       </p:cxnSp>
       <p:cxnSp>
         <p:nvCxnSpPr>
-          <p:cNvPr id="13" name="Straight Connector 12">
-            <a:extLst>
-              <a:ext uri="{FF2B5EF4-FFF2-40B4-BE49-F238E27FC236}">
-                <a16:creationId xmlns:a16="http://schemas.microsoft.com/office/drawing/2014/main" id="{223379DB-5965-7941-9E43-DA337E402FE7}"/>
-              </a:ext>
-            </a:extLst>
-          </p:cNvPr>
-          <p:cNvCxnSpPr>
-            <a:cxnSpLocks/>
-          </p:cNvCxnSpPr>
+          <p:cNvPr id="13" name="Straight Connector 12"/>
+          <p:cNvCxnSpPr/>
           <p:nvPr/>
         </p:nvCxnSpPr>
         <p:spPr>
@@ -3857,13 +3432,7 @@
       </p:cxnSp>
       <p:sp>
         <p:nvSpPr>
-          <p:cNvPr id="34" name="Rounded Rectangle 33">
-            <a:extLst>
-              <a:ext uri="{FF2B5EF4-FFF2-40B4-BE49-F238E27FC236}">
-                <a16:creationId xmlns:a16="http://schemas.microsoft.com/office/drawing/2014/main" id="{69560151-BCA5-EA4B-962F-9FE8313ADF42}"/>
-              </a:ext>
-            </a:extLst>
-          </p:cNvPr>
+          <p:cNvPr id="34" name="Rounded Rectangle 33"/>
           <p:cNvSpPr/>
           <p:nvPr/>
         </p:nvSpPr>
@@ -3914,23 +3483,34 @@
                 <a:solidFill>
                   <a:schemeClr val="tx1"/>
                 </a:solidFill>
-                <a:ea typeface="Arial" charset="0"/>
-                <a:cs typeface="Arial" charset="0"/>
-              </a:rPr>
-              <a:t>Secured asset transfer smart contract</a:t>
-            </a:r>
-          </a:p>
-        </p:txBody>
-      </p:sp>
-      <p:sp>
-        <p:nvSpPr>
-          <p:cNvPr id="52" name="Rounded Rectangle 51">
-            <a:extLst>
-              <a:ext uri="{FF2B5EF4-FFF2-40B4-BE49-F238E27FC236}">
-                <a16:creationId xmlns:a16="http://schemas.microsoft.com/office/drawing/2014/main" id="{E48F627F-104F-4843-848A-6575A6E0DCE9}"/>
-              </a:ext>
-            </a:extLst>
-          </p:cNvPr>
+                <a:ea typeface="Arial" panose="020B0604020202020204" pitchFamily="34" charset="0"/>
+                <a:cs typeface="Arial" panose="020B0604020202020204" pitchFamily="34" charset="0"/>
+              </a:rPr>
+              <a:t>安全资产转移</a:t>
+            </a:r>
+            <a:r>
+              <a:rPr lang="zh-CN" altLang="en-US" sz="1200" b="1" dirty="0">
+                <a:solidFill>
+                  <a:schemeClr val="tx1"/>
+                </a:solidFill>
+                <a:ea typeface="Arial" panose="020B0604020202020204" pitchFamily="34" charset="0"/>
+                <a:cs typeface="Arial" panose="020B0604020202020204" pitchFamily="34" charset="0"/>
+              </a:rPr>
+              <a:t>智能合约</a:t>
+            </a:r>
+            <a:endParaRPr lang="zh-CN" altLang="en-US" sz="1200" b="1" dirty="0">
+              <a:solidFill>
+                <a:schemeClr val="tx1"/>
+              </a:solidFill>
+              <a:ea typeface="Arial" panose="020B0604020202020204" pitchFamily="34" charset="0"/>
+              <a:cs typeface="Arial" panose="020B0604020202020204" pitchFamily="34" charset="0"/>
+            </a:endParaRPr>
+          </a:p>
+        </p:txBody>
+      </p:sp>
+      <p:sp>
+        <p:nvSpPr>
+          <p:cNvPr id="52" name="Rounded Rectangle 51"/>
           <p:cNvSpPr/>
           <p:nvPr/>
         </p:nvSpPr>
@@ -3969,18 +3549,17 @@
               </a:rPr>
               <a:t>Org2 Peer</a:t>
             </a:r>
-          </a:p>
-        </p:txBody>
-      </p:sp>
-      <p:sp>
-        <p:nvSpPr>
-          <p:cNvPr id="55" name="Shape">
-            <a:extLst>
-              <a:ext uri="{FF2B5EF4-FFF2-40B4-BE49-F238E27FC236}">
-                <a16:creationId xmlns:a16="http://schemas.microsoft.com/office/drawing/2014/main" id="{881985D6-5671-1B4D-905D-8186481FEADE}"/>
-              </a:ext>
-            </a:extLst>
-          </p:cNvPr>
+            <a:endParaRPr lang="en-US" sz="2000" b="1" dirty="0">
+              <a:solidFill>
+                <a:srgbClr val="FFFFFF"/>
+              </a:solidFill>
+            </a:endParaRPr>
+          </a:p>
+        </p:txBody>
+      </p:sp>
+      <p:sp>
+        <p:nvSpPr>
+          <p:cNvPr id="55" name="Shape"/>
           <p:cNvSpPr/>
           <p:nvPr/>
         </p:nvSpPr>
@@ -4057,7 +3636,7 @@
               </a:defRPr>
             </a:pPr>
             <a:r>
-              <a:rPr lang="en-US" sz="1400" dirty="0">
+              <a:rPr lang="zh-CN" altLang="en-US" sz="1400" dirty="0">
                 <a:ln w="0"/>
                 <a:solidFill>
                   <a:sysClr val="windowText" lastClr="000000"/>
@@ -4070,30 +3649,27 @@
                   </a:outerShdw>
                 </a:effectLst>
               </a:rPr>
-              <a:t>Ledger</a:t>
-            </a:r>
-            <a:endParaRPr sz="1400" b="1" dirty="0">
-              <a:ln>
-                <a:solidFill>
-                  <a:sysClr val="windowText" lastClr="000000"/>
-                </a:solidFill>
-              </a:ln>
+              <a:t>账本</a:t>
+            </a:r>
+            <a:endParaRPr lang="zh-CN" altLang="en-US" sz="1400" dirty="0">
+              <a:ln w="0"/>
               <a:solidFill>
                 <a:sysClr val="windowText" lastClr="000000"/>
               </a:solidFill>
-            </a:endParaRPr>
-          </a:p>
-        </p:txBody>
-      </p:sp>
-      <p:sp>
-        <p:nvSpPr>
-          <p:cNvPr id="59" name="Rounded Rectangle 58">
-            <a:extLst>
-              <a:ext uri="{FF2B5EF4-FFF2-40B4-BE49-F238E27FC236}">
-                <a16:creationId xmlns:a16="http://schemas.microsoft.com/office/drawing/2014/main" id="{66772181-158E-4D41-A0D6-6D6815C60905}"/>
-              </a:ext>
-            </a:extLst>
-          </p:cNvPr>
+              <a:effectLst>
+                <a:outerShdw blurRad="38100" dist="19050" dir="2700000" algn="tl" rotWithShape="0">
+                  <a:schemeClr val="dk1">
+                    <a:alpha val="40000"/>
+                  </a:schemeClr>
+                </a:outerShdw>
+              </a:effectLst>
+            </a:endParaRPr>
+          </a:p>
+        </p:txBody>
+      </p:sp>
+      <p:sp>
+        <p:nvSpPr>
+          <p:cNvPr id="59" name="Rounded Rectangle 58"/>
           <p:cNvSpPr/>
           <p:nvPr/>
         </p:nvSpPr>
@@ -4144,23 +3720,36 @@
                 <a:solidFill>
                   <a:schemeClr val="tx1"/>
                 </a:solidFill>
-                <a:ea typeface="Arial" charset="0"/>
-                <a:cs typeface="Arial" charset="0"/>
-              </a:rPr>
-              <a:t>Secured asset transfer smart contract</a:t>
-            </a:r>
-          </a:p>
-        </p:txBody>
-      </p:sp>
-      <p:sp>
-        <p:nvSpPr>
-          <p:cNvPr id="21" name="Can 20">
-            <a:extLst>
-              <a:ext uri="{FF2B5EF4-FFF2-40B4-BE49-F238E27FC236}">
-                <a16:creationId xmlns:a16="http://schemas.microsoft.com/office/drawing/2014/main" id="{6CD0CB89-3C81-594A-B420-7219F95523A0}"/>
-              </a:ext>
-            </a:extLst>
-          </p:cNvPr>
+                <a:ea typeface="Arial" panose="020B0604020202020204" pitchFamily="34" charset="0"/>
+                <a:cs typeface="Arial" panose="020B0604020202020204" pitchFamily="34" charset="0"/>
+                <a:sym typeface="+mn-ea"/>
+              </a:rPr>
+              <a:t>安全资产转移</a:t>
+            </a:r>
+            <a:r>
+              <a:rPr lang="zh-CN" altLang="en-US" sz="1200" b="1" dirty="0">
+                <a:solidFill>
+                  <a:schemeClr val="tx1"/>
+                </a:solidFill>
+                <a:ea typeface="Arial" panose="020B0604020202020204" pitchFamily="34" charset="0"/>
+                <a:cs typeface="Arial" panose="020B0604020202020204" pitchFamily="34" charset="0"/>
+                <a:sym typeface="+mn-ea"/>
+              </a:rPr>
+              <a:t>智能合约</a:t>
+            </a:r>
+            <a:endParaRPr lang="en-US" sz="1200" b="1" dirty="0">
+              <a:solidFill>
+                <a:schemeClr val="tx1"/>
+              </a:solidFill>
+              <a:ea typeface="Arial" panose="020B0604020202020204" pitchFamily="34" charset="0"/>
+              <a:cs typeface="Arial" panose="020B0604020202020204" pitchFamily="34" charset="0"/>
+            </a:endParaRPr>
+          </a:p>
+        </p:txBody>
+      </p:sp>
+      <p:sp>
+        <p:nvSpPr>
+          <p:cNvPr id="21" name="Can 20"/>
           <p:cNvSpPr/>
           <p:nvPr/>
         </p:nvSpPr>
@@ -4217,8 +3806,21 @@
                   <a:prstClr val="black"/>
                 </a:solidFill>
               </a:rPr>
-              <a:t>Org1 private data collection</a:t>
-            </a:r>
+              <a:t>Org1 </a:t>
+            </a:r>
+            <a:r>
+              <a:rPr lang="zh-CN" altLang="en-US" u="sng" dirty="0">
+                <a:solidFill>
+                  <a:prstClr val="black"/>
+                </a:solidFill>
+              </a:rPr>
+              <a:t>私有数据集合</a:t>
+            </a:r>
+            <a:endParaRPr lang="en-US" u="sng" dirty="0">
+              <a:solidFill>
+                <a:prstClr val="black"/>
+              </a:solidFill>
+            </a:endParaRPr>
           </a:p>
           <a:p>
             <a:pPr algn="ctr"/>
@@ -4254,6 +3856,11 @@
               </a:rPr>
               <a:t>asset1 details</a:t>
             </a:r>
+            <a:endParaRPr lang="en-US" sz="1400" dirty="0">
+              <a:solidFill>
+                <a:prstClr val="black"/>
+              </a:solidFill>
+            </a:endParaRPr>
           </a:p>
           <a:p>
             <a:pPr algn="ctr"/>
@@ -4291,13 +3898,7 @@
       </p:sp>
       <p:sp>
         <p:nvSpPr>
-          <p:cNvPr id="30" name="Shape">
-            <a:extLst>
-              <a:ext uri="{FF2B5EF4-FFF2-40B4-BE49-F238E27FC236}">
-                <a16:creationId xmlns:a16="http://schemas.microsoft.com/office/drawing/2014/main" id="{E56D930E-7425-9044-8762-41BC7CBC9D0C}"/>
-              </a:ext>
-            </a:extLst>
-          </p:cNvPr>
+          <p:cNvPr id="30" name="Shape"/>
           <p:cNvSpPr/>
           <p:nvPr/>
         </p:nvSpPr>
@@ -4376,16 +3977,8 @@
       </p:sp>
       <p:cxnSp>
         <p:nvCxnSpPr>
-          <p:cNvPr id="33" name="Straight Connector 32">
-            <a:extLst>
-              <a:ext uri="{FF2B5EF4-FFF2-40B4-BE49-F238E27FC236}">
-                <a16:creationId xmlns:a16="http://schemas.microsoft.com/office/drawing/2014/main" id="{96098A20-EE77-764B-80B3-E96D698566D6}"/>
-              </a:ext>
-            </a:extLst>
-          </p:cNvPr>
-          <p:cNvCxnSpPr>
-            <a:cxnSpLocks/>
-          </p:cNvCxnSpPr>
+          <p:cNvPr id="33" name="Straight Connector 32"/>
+          <p:cNvCxnSpPr/>
           <p:nvPr/>
         </p:nvCxnSpPr>
         <p:spPr>
@@ -4414,16 +4007,8 @@
       </p:cxnSp>
       <p:cxnSp>
         <p:nvCxnSpPr>
-          <p:cNvPr id="35" name="Straight Connector 34">
-            <a:extLst>
-              <a:ext uri="{FF2B5EF4-FFF2-40B4-BE49-F238E27FC236}">
-                <a16:creationId xmlns:a16="http://schemas.microsoft.com/office/drawing/2014/main" id="{4FC74BB5-B1B9-704D-9792-F16674ECBE69}"/>
-              </a:ext>
-            </a:extLst>
-          </p:cNvPr>
-          <p:cNvCxnSpPr>
-            <a:cxnSpLocks/>
-          </p:cNvCxnSpPr>
+          <p:cNvPr id="35" name="Straight Connector 34"/>
+          <p:cNvCxnSpPr/>
           <p:nvPr/>
         </p:nvCxnSpPr>
         <p:spPr>
@@ -4452,16 +4037,8 @@
       </p:cxnSp>
       <p:cxnSp>
         <p:nvCxnSpPr>
-          <p:cNvPr id="36" name="Straight Connector 35">
-            <a:extLst>
-              <a:ext uri="{FF2B5EF4-FFF2-40B4-BE49-F238E27FC236}">
-                <a16:creationId xmlns:a16="http://schemas.microsoft.com/office/drawing/2014/main" id="{43E5D13A-DFDB-EA4C-BCF7-2F10A818963D}"/>
-              </a:ext>
-            </a:extLst>
-          </p:cNvPr>
-          <p:cNvCxnSpPr>
-            <a:cxnSpLocks/>
-          </p:cNvCxnSpPr>
+          <p:cNvPr id="36" name="Straight Connector 35"/>
+          <p:cNvCxnSpPr/>
           <p:nvPr/>
         </p:nvCxnSpPr>
         <p:spPr>
@@ -4490,13 +4067,7 @@
       </p:cxnSp>
       <p:sp>
         <p:nvSpPr>
-          <p:cNvPr id="38" name="Can 37">
-            <a:extLst>
-              <a:ext uri="{FF2B5EF4-FFF2-40B4-BE49-F238E27FC236}">
-                <a16:creationId xmlns:a16="http://schemas.microsoft.com/office/drawing/2014/main" id="{B3426F3F-23F5-E445-9F26-1C8BE75C608A}"/>
-              </a:ext>
-            </a:extLst>
-          </p:cNvPr>
+          <p:cNvPr id="38" name="Can 37"/>
           <p:cNvSpPr/>
           <p:nvPr/>
         </p:nvSpPr>
@@ -4534,13 +4105,19 @@
           <a:p>
             <a:pPr algn="ctr"/>
             <a:r>
-              <a:rPr lang="en-US" sz="1600" u="sng" dirty="0">
-                <a:solidFill>
-                  <a:prstClr val="black"/>
-                </a:solidFill>
-              </a:rPr>
-              <a:t>Channel World State</a:t>
-            </a:r>
+              <a:rPr lang="zh-CN" altLang="en-US" sz="1600" u="sng" dirty="0">
+                <a:solidFill>
+                  <a:prstClr val="black"/>
+                </a:solidFill>
+                <a:sym typeface="+mn-ea"/>
+              </a:rPr>
+              <a:t>通道世界状态</a:t>
+            </a:r>
+            <a:endParaRPr lang="en-US" sz="1600" u="sng" dirty="0">
+              <a:solidFill>
+                <a:prstClr val="black"/>
+              </a:solidFill>
+            </a:endParaRPr>
           </a:p>
           <a:p>
             <a:r>
@@ -4575,6 +4152,11 @@
               </a:rPr>
               <a:t>owner – Org1</a:t>
             </a:r>
+            <a:endParaRPr lang="en-US" sz="1400" dirty="0">
+              <a:solidFill>
+                <a:prstClr val="black"/>
+              </a:solidFill>
+            </a:endParaRPr>
           </a:p>
           <a:p>
             <a:r>
@@ -4609,8 +4191,6 @@
               </a:rPr>
               <a:t>hash(details)</a:t>
             </a:r>
-          </a:p>
-          <a:p>
             <a:endParaRPr lang="en-US" sz="1400" dirty="0">
               <a:solidFill>
                 <a:prstClr val="black"/>
@@ -4631,17 +4211,18 @@
               </a:solidFill>
             </a:endParaRPr>
           </a:p>
-        </p:txBody>
-      </p:sp>
-      <p:sp>
-        <p:nvSpPr>
-          <p:cNvPr id="39" name="Can 38">
-            <a:extLst>
-              <a:ext uri="{FF2B5EF4-FFF2-40B4-BE49-F238E27FC236}">
-                <a16:creationId xmlns:a16="http://schemas.microsoft.com/office/drawing/2014/main" id="{C5EA9B22-48EC-AD4F-9D20-39B21F0F21E4}"/>
-              </a:ext>
-            </a:extLst>
-          </p:cNvPr>
+          <a:p>
+            <a:endParaRPr lang="en-US" sz="1400" dirty="0">
+              <a:solidFill>
+                <a:prstClr val="black"/>
+              </a:solidFill>
+            </a:endParaRPr>
+          </a:p>
+        </p:txBody>
+      </p:sp>
+      <p:sp>
+        <p:nvSpPr>
+          <p:cNvPr id="39" name="Can 38"/>
           <p:cNvSpPr/>
           <p:nvPr/>
         </p:nvSpPr>
@@ -4698,8 +4279,21 @@
                   <a:prstClr val="black"/>
                 </a:solidFill>
               </a:rPr>
-              <a:t>Org2 private data collection</a:t>
-            </a:r>
+              <a:t>Org2 </a:t>
+            </a:r>
+            <a:r>
+              <a:rPr lang="zh-CN" altLang="en-US" u="sng" dirty="0">
+                <a:solidFill>
+                  <a:prstClr val="black"/>
+                </a:solidFill>
+              </a:rPr>
+              <a:t>私有数据集合</a:t>
+            </a:r>
+            <a:endParaRPr lang="en-US" u="sng" dirty="0">
+              <a:solidFill>
+                <a:prstClr val="black"/>
+              </a:solidFill>
+            </a:endParaRPr>
           </a:p>
           <a:p>
             <a:pPr algn="ctr"/>
@@ -4745,16 +4339,8 @@
       </p:sp>
       <p:cxnSp>
         <p:nvCxnSpPr>
-          <p:cNvPr id="24" name="Straight Connector 23">
-            <a:extLst>
-              <a:ext uri="{FF2B5EF4-FFF2-40B4-BE49-F238E27FC236}">
-                <a16:creationId xmlns:a16="http://schemas.microsoft.com/office/drawing/2014/main" id="{25382C7C-1296-4848-B507-91D7723EB387}"/>
-              </a:ext>
-            </a:extLst>
-          </p:cNvPr>
-          <p:cNvCxnSpPr>
-            <a:cxnSpLocks/>
-          </p:cNvCxnSpPr>
+          <p:cNvPr id="24" name="Straight Connector 23"/>
+          <p:cNvCxnSpPr/>
           <p:nvPr/>
         </p:nvCxnSpPr>
         <p:spPr>
@@ -4782,11 +4368,6 @@
         </p:style>
       </p:cxnSp>
     </p:spTree>
-    <p:extLst>
-      <p:ext uri="{BB962C8B-B14F-4D97-AF65-F5344CB8AC3E}">
-        <p14:creationId xmlns:p14="http://schemas.microsoft.com/office/powerpoint/2010/main" val="1996738496"/>
-      </p:ext>
-    </p:extLst>
   </p:cSld>
   <p:clrMapOvr>
     <a:masterClrMapping/>
@@ -4813,13 +4394,7 @@
       </p:grpSpPr>
       <p:sp>
         <p:nvSpPr>
-          <p:cNvPr id="25" name="Rounded Rectangle 24">
-            <a:extLst>
-              <a:ext uri="{FF2B5EF4-FFF2-40B4-BE49-F238E27FC236}">
-                <a16:creationId xmlns:a16="http://schemas.microsoft.com/office/drawing/2014/main" id="{4D60EB7F-A76F-4745-9A06-13ABF295980A}"/>
-              </a:ext>
-            </a:extLst>
-          </p:cNvPr>
+          <p:cNvPr id="25" name="Rounded Rectangle 24"/>
           <p:cNvSpPr/>
           <p:nvPr/>
         </p:nvSpPr>
@@ -4871,13 +4446,7 @@
       </p:sp>
       <p:sp>
         <p:nvSpPr>
-          <p:cNvPr id="5" name="Shape">
-            <a:extLst>
-              <a:ext uri="{FF2B5EF4-FFF2-40B4-BE49-F238E27FC236}">
-                <a16:creationId xmlns:a16="http://schemas.microsoft.com/office/drawing/2014/main" id="{34407B58-3364-5E40-A59A-59A0A8FB0BB1}"/>
-              </a:ext>
-            </a:extLst>
-          </p:cNvPr>
+          <p:cNvPr id="5" name="Shape"/>
           <p:cNvSpPr/>
           <p:nvPr/>
         </p:nvSpPr>
@@ -4956,13 +4525,7 @@
       </p:sp>
       <p:sp>
         <p:nvSpPr>
-          <p:cNvPr id="4" name="Rounded Rectangle 3">
-            <a:extLst>
-              <a:ext uri="{FF2B5EF4-FFF2-40B4-BE49-F238E27FC236}">
-                <a16:creationId xmlns:a16="http://schemas.microsoft.com/office/drawing/2014/main" id="{17C4593D-7768-684E-A396-C71359B1F36D}"/>
-              </a:ext>
-            </a:extLst>
-          </p:cNvPr>
+          <p:cNvPr id="4" name="Rounded Rectangle 3"/>
           <p:cNvSpPr/>
           <p:nvPr/>
         </p:nvSpPr>
@@ -5001,18 +4564,17 @@
               </a:rPr>
               <a:t>Org1 Peer</a:t>
             </a:r>
-          </a:p>
-        </p:txBody>
-      </p:sp>
-      <p:sp>
-        <p:nvSpPr>
-          <p:cNvPr id="6" name="Can 5">
-            <a:extLst>
-              <a:ext uri="{FF2B5EF4-FFF2-40B4-BE49-F238E27FC236}">
-                <a16:creationId xmlns:a16="http://schemas.microsoft.com/office/drawing/2014/main" id="{04508201-6096-F44A-A9AD-9A4FDD9F1712}"/>
-              </a:ext>
-            </a:extLst>
-          </p:cNvPr>
+            <a:endParaRPr lang="en-US" sz="2000" b="1" dirty="0">
+              <a:solidFill>
+                <a:srgbClr val="FFFFFF"/>
+              </a:solidFill>
+            </a:endParaRPr>
+          </a:p>
+        </p:txBody>
+      </p:sp>
+      <p:sp>
+        <p:nvSpPr>
+          <p:cNvPr id="6" name="Can 5"/>
           <p:cNvSpPr/>
           <p:nvPr/>
         </p:nvSpPr>
@@ -5050,13 +4612,19 @@
           <a:p>
             <a:pPr algn="ctr"/>
             <a:r>
-              <a:rPr lang="en-US" sz="1600" u="sng" dirty="0">
-                <a:solidFill>
-                  <a:prstClr val="black"/>
-                </a:solidFill>
-              </a:rPr>
-              <a:t>Channel World State</a:t>
-            </a:r>
+              <a:rPr lang="zh-CN" altLang="en-US" sz="1600" u="sng" dirty="0">
+                <a:solidFill>
+                  <a:prstClr val="black"/>
+                </a:solidFill>
+                <a:sym typeface="+mn-ea"/>
+              </a:rPr>
+              <a:t>通道世界状态</a:t>
+            </a:r>
+            <a:endParaRPr lang="en-US" sz="1600" u="sng" dirty="0">
+              <a:solidFill>
+                <a:prstClr val="black"/>
+              </a:solidFill>
+            </a:endParaRPr>
           </a:p>
           <a:p>
             <a:r>
@@ -5091,6 +4659,11 @@
               </a:rPr>
               <a:t>owner – Org1</a:t>
             </a:r>
+            <a:endParaRPr lang="en-US" sz="1400" dirty="0">
+              <a:solidFill>
+                <a:prstClr val="black"/>
+              </a:solidFill>
+            </a:endParaRPr>
           </a:p>
           <a:p>
             <a:r>
@@ -5125,6 +4698,11 @@
               </a:rPr>
               <a:t>hash(details)</a:t>
             </a:r>
+            <a:endParaRPr lang="en-US" sz="1400" dirty="0">
+              <a:solidFill>
+                <a:prstClr val="black"/>
+              </a:solidFill>
+            </a:endParaRPr>
           </a:p>
           <a:p>
             <a:r>
@@ -5175,6 +4753,11 @@
               </a:rPr>
               <a:t>hash(110)</a:t>
             </a:r>
+            <a:endParaRPr lang="en-US" sz="1400" dirty="0">
+              <a:solidFill>
+                <a:prstClr val="black"/>
+              </a:solidFill>
+            </a:endParaRPr>
           </a:p>
           <a:p>
             <a:r>
@@ -5225,25 +4808,24 @@
               </a:rPr>
               <a:t>hash(100)</a:t>
             </a:r>
-          </a:p>
-          <a:p>
             <a:endParaRPr lang="en-US" sz="1400" dirty="0">
               <a:solidFill>
                 <a:prstClr val="black"/>
               </a:solidFill>
             </a:endParaRPr>
           </a:p>
-        </p:txBody>
-      </p:sp>
-      <p:sp>
-        <p:nvSpPr>
-          <p:cNvPr id="9" name="Shape">
-            <a:extLst>
-              <a:ext uri="{FF2B5EF4-FFF2-40B4-BE49-F238E27FC236}">
-                <a16:creationId xmlns:a16="http://schemas.microsoft.com/office/drawing/2014/main" id="{41D3593A-016B-DD42-8CC7-4B3ECE3C40A5}"/>
-              </a:ext>
-            </a:extLst>
-          </p:cNvPr>
+          <a:p>
+            <a:endParaRPr lang="en-US" sz="1400" dirty="0">
+              <a:solidFill>
+                <a:prstClr val="black"/>
+              </a:solidFill>
+            </a:endParaRPr>
+          </a:p>
+        </p:txBody>
+      </p:sp>
+      <p:sp>
+        <p:nvSpPr>
+          <p:cNvPr id="9" name="Shape"/>
           <p:cNvSpPr/>
           <p:nvPr/>
         </p:nvSpPr>
@@ -5320,7 +4902,7 @@
               </a:defRPr>
             </a:pPr>
             <a:r>
-              <a:rPr lang="en-US" sz="1400" dirty="0">
+              <a:rPr lang="zh-CN" altLang="en-US" sz="1400" dirty="0">
                 <a:ln w="0"/>
                 <a:solidFill>
                   <a:sysClr val="windowText" lastClr="000000"/>
@@ -5332,8 +4914,9 @@
                     </a:schemeClr>
                   </a:outerShdw>
                 </a:effectLst>
-              </a:rPr>
-              <a:t>Ledger</a:t>
+                <a:sym typeface="+mn-ea"/>
+              </a:rPr>
+              <a:t>账本</a:t>
             </a:r>
             <a:endParaRPr sz="1400" b="1" dirty="0">
               <a:ln>
@@ -5350,16 +4933,8 @@
       </p:sp>
       <p:cxnSp>
         <p:nvCxnSpPr>
-          <p:cNvPr id="11" name="Straight Connector 10">
-            <a:extLst>
-              <a:ext uri="{FF2B5EF4-FFF2-40B4-BE49-F238E27FC236}">
-                <a16:creationId xmlns:a16="http://schemas.microsoft.com/office/drawing/2014/main" id="{E21D2E90-AB93-0744-81EE-9391F616AF95}"/>
-              </a:ext>
-            </a:extLst>
-          </p:cNvPr>
-          <p:cNvCxnSpPr>
-            <a:cxnSpLocks/>
-          </p:cNvCxnSpPr>
+          <p:cNvPr id="11" name="Straight Connector 10"/>
+          <p:cNvCxnSpPr/>
           <p:nvPr/>
         </p:nvCxnSpPr>
         <p:spPr>
@@ -5388,16 +4963,8 @@
       </p:cxnSp>
       <p:cxnSp>
         <p:nvCxnSpPr>
-          <p:cNvPr id="13" name="Straight Connector 12">
-            <a:extLst>
-              <a:ext uri="{FF2B5EF4-FFF2-40B4-BE49-F238E27FC236}">
-                <a16:creationId xmlns:a16="http://schemas.microsoft.com/office/drawing/2014/main" id="{223379DB-5965-7941-9E43-DA337E402FE7}"/>
-              </a:ext>
-            </a:extLst>
-          </p:cNvPr>
-          <p:cNvCxnSpPr>
-            <a:cxnSpLocks/>
-          </p:cNvCxnSpPr>
+          <p:cNvPr id="13" name="Straight Connector 12"/>
+          <p:cNvCxnSpPr/>
           <p:nvPr/>
         </p:nvCxnSpPr>
         <p:spPr>
@@ -5426,13 +4993,7 @@
       </p:cxnSp>
       <p:sp>
         <p:nvSpPr>
-          <p:cNvPr id="34" name="Rounded Rectangle 33">
-            <a:extLst>
-              <a:ext uri="{FF2B5EF4-FFF2-40B4-BE49-F238E27FC236}">
-                <a16:creationId xmlns:a16="http://schemas.microsoft.com/office/drawing/2014/main" id="{69560151-BCA5-EA4B-962F-9FE8313ADF42}"/>
-              </a:ext>
-            </a:extLst>
-          </p:cNvPr>
+          <p:cNvPr id="34" name="Rounded Rectangle 33"/>
           <p:cNvSpPr/>
           <p:nvPr/>
         </p:nvSpPr>
@@ -5483,23 +5044,36 @@
                 <a:solidFill>
                   <a:schemeClr val="tx1"/>
                 </a:solidFill>
-                <a:ea typeface="Arial" charset="0"/>
-                <a:cs typeface="Arial" charset="0"/>
-              </a:rPr>
-              <a:t>Secured asset transfer smart contract</a:t>
-            </a:r>
-          </a:p>
-        </p:txBody>
-      </p:sp>
-      <p:sp>
-        <p:nvSpPr>
-          <p:cNvPr id="52" name="Rounded Rectangle 51">
-            <a:extLst>
-              <a:ext uri="{FF2B5EF4-FFF2-40B4-BE49-F238E27FC236}">
-                <a16:creationId xmlns:a16="http://schemas.microsoft.com/office/drawing/2014/main" id="{E48F627F-104F-4843-848A-6575A6E0DCE9}"/>
-              </a:ext>
-            </a:extLst>
-          </p:cNvPr>
+                <a:ea typeface="Arial" panose="020B0604020202020204" pitchFamily="34" charset="0"/>
+                <a:cs typeface="Arial" panose="020B0604020202020204" pitchFamily="34" charset="0"/>
+                <a:sym typeface="+mn-ea"/>
+              </a:rPr>
+              <a:t>安全资产转移</a:t>
+            </a:r>
+            <a:r>
+              <a:rPr lang="zh-CN" altLang="en-US" sz="1200" b="1" dirty="0">
+                <a:solidFill>
+                  <a:schemeClr val="tx1"/>
+                </a:solidFill>
+                <a:ea typeface="Arial" panose="020B0604020202020204" pitchFamily="34" charset="0"/>
+                <a:cs typeface="Arial" panose="020B0604020202020204" pitchFamily="34" charset="0"/>
+                <a:sym typeface="+mn-ea"/>
+              </a:rPr>
+              <a:t>智能合约</a:t>
+            </a:r>
+            <a:endParaRPr lang="en-US" sz="1200" b="1" dirty="0">
+              <a:solidFill>
+                <a:schemeClr val="tx1"/>
+              </a:solidFill>
+              <a:ea typeface="Arial" panose="020B0604020202020204" pitchFamily="34" charset="0"/>
+              <a:cs typeface="Arial" panose="020B0604020202020204" pitchFamily="34" charset="0"/>
+            </a:endParaRPr>
+          </a:p>
+        </p:txBody>
+      </p:sp>
+      <p:sp>
+        <p:nvSpPr>
+          <p:cNvPr id="52" name="Rounded Rectangle 51"/>
           <p:cNvSpPr/>
           <p:nvPr/>
         </p:nvSpPr>
@@ -5538,18 +5112,17 @@
               </a:rPr>
               <a:t>Org2 Peer</a:t>
             </a:r>
-          </a:p>
-        </p:txBody>
-      </p:sp>
-      <p:sp>
-        <p:nvSpPr>
-          <p:cNvPr id="55" name="Shape">
-            <a:extLst>
-              <a:ext uri="{FF2B5EF4-FFF2-40B4-BE49-F238E27FC236}">
-                <a16:creationId xmlns:a16="http://schemas.microsoft.com/office/drawing/2014/main" id="{881985D6-5671-1B4D-905D-8186481FEADE}"/>
-              </a:ext>
-            </a:extLst>
-          </p:cNvPr>
+            <a:endParaRPr lang="en-US" sz="2000" b="1" dirty="0">
+              <a:solidFill>
+                <a:srgbClr val="FFFFFF"/>
+              </a:solidFill>
+            </a:endParaRPr>
+          </a:p>
+        </p:txBody>
+      </p:sp>
+      <p:sp>
+        <p:nvSpPr>
+          <p:cNvPr id="55" name="Shape"/>
           <p:cNvSpPr/>
           <p:nvPr/>
         </p:nvSpPr>
@@ -5626,7 +5199,7 @@
               </a:defRPr>
             </a:pPr>
             <a:r>
-              <a:rPr lang="en-US" sz="1400" dirty="0">
+              <a:rPr lang="zh-CN" altLang="en-US" sz="1400" dirty="0">
                 <a:ln w="0"/>
                 <a:solidFill>
                   <a:sysClr val="windowText" lastClr="000000"/>
@@ -5638,8 +5211,9 @@
                     </a:schemeClr>
                   </a:outerShdw>
                 </a:effectLst>
-              </a:rPr>
-              <a:t>Ledger</a:t>
+                <a:sym typeface="+mn-ea"/>
+              </a:rPr>
+              <a:t>账本</a:t>
             </a:r>
             <a:endParaRPr sz="1400" b="1" dirty="0">
               <a:ln>
@@ -5656,13 +5230,7 @@
       </p:sp>
       <p:sp>
         <p:nvSpPr>
-          <p:cNvPr id="59" name="Rounded Rectangle 58">
-            <a:extLst>
-              <a:ext uri="{FF2B5EF4-FFF2-40B4-BE49-F238E27FC236}">
-                <a16:creationId xmlns:a16="http://schemas.microsoft.com/office/drawing/2014/main" id="{66772181-158E-4D41-A0D6-6D6815C60905}"/>
-              </a:ext>
-            </a:extLst>
-          </p:cNvPr>
+          <p:cNvPr id="59" name="Rounded Rectangle 58"/>
           <p:cNvSpPr/>
           <p:nvPr/>
         </p:nvSpPr>
@@ -5713,23 +5281,36 @@
                 <a:solidFill>
                   <a:schemeClr val="tx1"/>
                 </a:solidFill>
-                <a:ea typeface="Arial" charset="0"/>
-                <a:cs typeface="Arial" charset="0"/>
-              </a:rPr>
-              <a:t>Secured asset transfer smart contract</a:t>
-            </a:r>
-          </a:p>
-        </p:txBody>
-      </p:sp>
-      <p:sp>
-        <p:nvSpPr>
-          <p:cNvPr id="21" name="Can 20">
-            <a:extLst>
-              <a:ext uri="{FF2B5EF4-FFF2-40B4-BE49-F238E27FC236}">
-                <a16:creationId xmlns:a16="http://schemas.microsoft.com/office/drawing/2014/main" id="{6CD0CB89-3C81-594A-B420-7219F95523A0}"/>
-              </a:ext>
-            </a:extLst>
-          </p:cNvPr>
+                <a:ea typeface="Arial" panose="020B0604020202020204" pitchFamily="34" charset="0"/>
+                <a:cs typeface="Arial" panose="020B0604020202020204" pitchFamily="34" charset="0"/>
+                <a:sym typeface="+mn-ea"/>
+              </a:rPr>
+              <a:t>安全资产转移</a:t>
+            </a:r>
+            <a:r>
+              <a:rPr lang="zh-CN" altLang="en-US" sz="1200" b="1" dirty="0">
+                <a:solidFill>
+                  <a:schemeClr val="tx1"/>
+                </a:solidFill>
+                <a:ea typeface="Arial" panose="020B0604020202020204" pitchFamily="34" charset="0"/>
+                <a:cs typeface="Arial" panose="020B0604020202020204" pitchFamily="34" charset="0"/>
+                <a:sym typeface="+mn-ea"/>
+              </a:rPr>
+              <a:t>智能合约</a:t>
+            </a:r>
+            <a:endParaRPr lang="en-US" sz="1200" b="1" dirty="0">
+              <a:solidFill>
+                <a:schemeClr val="tx1"/>
+              </a:solidFill>
+              <a:ea typeface="Arial" panose="020B0604020202020204" pitchFamily="34" charset="0"/>
+              <a:cs typeface="Arial" panose="020B0604020202020204" pitchFamily="34" charset="0"/>
+            </a:endParaRPr>
+          </a:p>
+        </p:txBody>
+      </p:sp>
+      <p:sp>
+        <p:nvSpPr>
+          <p:cNvPr id="21" name="Can 20"/>
           <p:cNvSpPr/>
           <p:nvPr/>
         </p:nvSpPr>
@@ -5786,8 +5367,22 @@
                   <a:prstClr val="black"/>
                 </a:solidFill>
               </a:rPr>
-              <a:t>Org1 private data collection</a:t>
-            </a:r>
+              <a:t>Org1 </a:t>
+            </a:r>
+            <a:r>
+              <a:rPr lang="zh-CN" altLang="en-US" u="sng" dirty="0">
+                <a:solidFill>
+                  <a:prstClr val="black"/>
+                </a:solidFill>
+                <a:sym typeface="+mn-ea"/>
+              </a:rPr>
+              <a:t>私有数据集合</a:t>
+            </a:r>
+            <a:endParaRPr lang="en-US" u="sng" dirty="0">
+              <a:solidFill>
+                <a:prstClr val="black"/>
+              </a:solidFill>
+            </a:endParaRPr>
           </a:p>
           <a:p>
             <a:pPr algn="ctr"/>
@@ -5823,6 +5418,11 @@
               </a:rPr>
               <a:t>asset1 details</a:t>
             </a:r>
+            <a:endParaRPr lang="en-US" sz="1400" dirty="0">
+              <a:solidFill>
+                <a:prstClr val="black"/>
+              </a:solidFill>
+            </a:endParaRPr>
           </a:p>
           <a:p>
             <a:pPr algn="ctr"/>
@@ -5858,6 +5458,11 @@
               </a:rPr>
               <a:t> 110</a:t>
             </a:r>
+            <a:endParaRPr lang="en-US" sz="1400" dirty="0">
+              <a:solidFill>
+                <a:prstClr val="black"/>
+              </a:solidFill>
+            </a:endParaRPr>
           </a:p>
           <a:p>
             <a:pPr algn="ctr"/>
@@ -5887,13 +5492,7 @@
       </p:sp>
       <p:sp>
         <p:nvSpPr>
-          <p:cNvPr id="30" name="Shape">
-            <a:extLst>
-              <a:ext uri="{FF2B5EF4-FFF2-40B4-BE49-F238E27FC236}">
-                <a16:creationId xmlns:a16="http://schemas.microsoft.com/office/drawing/2014/main" id="{E56D930E-7425-9044-8762-41BC7CBC9D0C}"/>
-              </a:ext>
-            </a:extLst>
-          </p:cNvPr>
+          <p:cNvPr id="30" name="Shape"/>
           <p:cNvSpPr/>
           <p:nvPr/>
         </p:nvSpPr>
@@ -5972,16 +5571,8 @@
       </p:sp>
       <p:cxnSp>
         <p:nvCxnSpPr>
-          <p:cNvPr id="35" name="Straight Connector 34">
-            <a:extLst>
-              <a:ext uri="{FF2B5EF4-FFF2-40B4-BE49-F238E27FC236}">
-                <a16:creationId xmlns:a16="http://schemas.microsoft.com/office/drawing/2014/main" id="{4FC74BB5-B1B9-704D-9792-F16674ECBE69}"/>
-              </a:ext>
-            </a:extLst>
-          </p:cNvPr>
-          <p:cNvCxnSpPr>
-            <a:cxnSpLocks/>
-          </p:cNvCxnSpPr>
+          <p:cNvPr id="35" name="Straight Connector 34"/>
+          <p:cNvCxnSpPr/>
           <p:nvPr/>
         </p:nvCxnSpPr>
         <p:spPr>
@@ -6010,16 +5601,8 @@
       </p:cxnSp>
       <p:cxnSp>
         <p:nvCxnSpPr>
-          <p:cNvPr id="36" name="Straight Connector 35">
-            <a:extLst>
-              <a:ext uri="{FF2B5EF4-FFF2-40B4-BE49-F238E27FC236}">
-                <a16:creationId xmlns:a16="http://schemas.microsoft.com/office/drawing/2014/main" id="{43E5D13A-DFDB-EA4C-BCF7-2F10A818963D}"/>
-              </a:ext>
-            </a:extLst>
-          </p:cNvPr>
-          <p:cNvCxnSpPr>
-            <a:cxnSpLocks/>
-          </p:cNvCxnSpPr>
+          <p:cNvPr id="36" name="Straight Connector 35"/>
+          <p:cNvCxnSpPr/>
           <p:nvPr/>
         </p:nvCxnSpPr>
         <p:spPr>
@@ -6048,13 +5631,7 @@
       </p:cxnSp>
       <p:sp>
         <p:nvSpPr>
-          <p:cNvPr id="38" name="Can 37">
-            <a:extLst>
-              <a:ext uri="{FF2B5EF4-FFF2-40B4-BE49-F238E27FC236}">
-                <a16:creationId xmlns:a16="http://schemas.microsoft.com/office/drawing/2014/main" id="{B3426F3F-23F5-E445-9F26-1C8BE75C608A}"/>
-              </a:ext>
-            </a:extLst>
-          </p:cNvPr>
+          <p:cNvPr id="38" name="Can 37"/>
           <p:cNvSpPr/>
           <p:nvPr/>
         </p:nvSpPr>
@@ -6092,13 +5669,19 @@
           <a:p>
             <a:pPr algn="ctr"/>
             <a:r>
-              <a:rPr lang="en-US" sz="1600" u="sng" dirty="0">
-                <a:solidFill>
-                  <a:prstClr val="black"/>
-                </a:solidFill>
-              </a:rPr>
-              <a:t>Channel World State</a:t>
-            </a:r>
+              <a:rPr lang="zh-CN" altLang="en-US" sz="1600" u="sng" dirty="0">
+                <a:solidFill>
+                  <a:prstClr val="black"/>
+                </a:solidFill>
+                <a:sym typeface="+mn-ea"/>
+              </a:rPr>
+              <a:t>通道世界状态</a:t>
+            </a:r>
+            <a:endParaRPr lang="en-US" sz="1600" u="sng" dirty="0">
+              <a:solidFill>
+                <a:prstClr val="black"/>
+              </a:solidFill>
+            </a:endParaRPr>
           </a:p>
           <a:p>
             <a:r>
@@ -6133,6 +5716,11 @@
               </a:rPr>
               <a:t>owner – Org1</a:t>
             </a:r>
+            <a:endParaRPr lang="en-US" sz="1400" dirty="0">
+              <a:solidFill>
+                <a:prstClr val="black"/>
+              </a:solidFill>
+            </a:endParaRPr>
           </a:p>
           <a:p>
             <a:r>
@@ -6167,6 +5755,11 @@
               </a:rPr>
               <a:t>hash(details)</a:t>
             </a:r>
+            <a:endParaRPr lang="en-US" sz="1400" dirty="0">
+              <a:solidFill>
+                <a:prstClr val="black"/>
+              </a:solidFill>
+            </a:endParaRPr>
           </a:p>
           <a:p>
             <a:r>
@@ -6217,6 +5810,11 @@
               </a:rPr>
               <a:t>hash(110)</a:t>
             </a:r>
+            <a:endParaRPr lang="en-US" sz="1400" dirty="0">
+              <a:solidFill>
+                <a:prstClr val="black"/>
+              </a:solidFill>
+            </a:endParaRPr>
           </a:p>
           <a:p>
             <a:r>
@@ -6267,25 +5865,24 @@
               </a:rPr>
               <a:t>hash(100)</a:t>
             </a:r>
-          </a:p>
-          <a:p>
             <a:endParaRPr lang="en-US" sz="1400" dirty="0">
               <a:solidFill>
                 <a:prstClr val="black"/>
               </a:solidFill>
             </a:endParaRPr>
           </a:p>
-        </p:txBody>
-      </p:sp>
-      <p:sp>
-        <p:nvSpPr>
-          <p:cNvPr id="39" name="Can 38">
-            <a:extLst>
-              <a:ext uri="{FF2B5EF4-FFF2-40B4-BE49-F238E27FC236}">
-                <a16:creationId xmlns:a16="http://schemas.microsoft.com/office/drawing/2014/main" id="{C5EA9B22-48EC-AD4F-9D20-39B21F0F21E4}"/>
-              </a:ext>
-            </a:extLst>
-          </p:cNvPr>
+          <a:p>
+            <a:endParaRPr lang="en-US" sz="1400" dirty="0">
+              <a:solidFill>
+                <a:prstClr val="black"/>
+              </a:solidFill>
+            </a:endParaRPr>
+          </a:p>
+        </p:txBody>
+      </p:sp>
+      <p:sp>
+        <p:nvSpPr>
+          <p:cNvPr id="39" name="Can 38"/>
           <p:cNvSpPr/>
           <p:nvPr/>
         </p:nvSpPr>
@@ -6342,8 +5939,22 @@
                   <a:prstClr val="black"/>
                 </a:solidFill>
               </a:rPr>
-              <a:t>Org2 private data collection</a:t>
-            </a:r>
+              <a:t>Org2 </a:t>
+            </a:r>
+            <a:r>
+              <a:rPr lang="zh-CN" altLang="en-US" u="sng" dirty="0">
+                <a:solidFill>
+                  <a:prstClr val="black"/>
+                </a:solidFill>
+                <a:sym typeface="+mn-ea"/>
+              </a:rPr>
+              <a:t>私有数据集合</a:t>
+            </a:r>
+            <a:endParaRPr lang="en-US" u="sng" dirty="0">
+              <a:solidFill>
+                <a:prstClr val="black"/>
+              </a:solidFill>
+            </a:endParaRPr>
           </a:p>
           <a:p>
             <a:pPr algn="ctr"/>
@@ -6419,6 +6030,11 @@
               </a:rPr>
               <a:t>: 100</a:t>
             </a:r>
+            <a:endParaRPr lang="en-US" sz="1400" dirty="0">
+              <a:solidFill>
+                <a:prstClr val="black"/>
+              </a:solidFill>
+            </a:endParaRPr>
           </a:p>
           <a:p>
             <a:pPr algn="ctr"/>
@@ -6448,16 +6064,8 @@
       </p:sp>
       <p:cxnSp>
         <p:nvCxnSpPr>
-          <p:cNvPr id="24" name="Straight Connector 23">
-            <a:extLst>
-              <a:ext uri="{FF2B5EF4-FFF2-40B4-BE49-F238E27FC236}">
-                <a16:creationId xmlns:a16="http://schemas.microsoft.com/office/drawing/2014/main" id="{B4245A58-E19D-5149-809A-F932BD2ED1B9}"/>
-              </a:ext>
-            </a:extLst>
-          </p:cNvPr>
-          <p:cNvCxnSpPr>
-            <a:cxnSpLocks/>
-          </p:cNvCxnSpPr>
+          <p:cNvPr id="24" name="Straight Connector 23"/>
+          <p:cNvCxnSpPr/>
           <p:nvPr/>
         </p:nvCxnSpPr>
         <p:spPr>
@@ -6486,16 +6094,8 @@
       </p:cxnSp>
       <p:cxnSp>
         <p:nvCxnSpPr>
-          <p:cNvPr id="26" name="Straight Connector 25">
-            <a:extLst>
-              <a:ext uri="{FF2B5EF4-FFF2-40B4-BE49-F238E27FC236}">
-                <a16:creationId xmlns:a16="http://schemas.microsoft.com/office/drawing/2014/main" id="{1699F28F-9EE0-9A4C-8F92-9D1CDD286D6A}"/>
-              </a:ext>
-            </a:extLst>
-          </p:cNvPr>
-          <p:cNvCxnSpPr>
-            <a:cxnSpLocks/>
-          </p:cNvCxnSpPr>
+          <p:cNvPr id="26" name="Straight Connector 25"/>
+          <p:cNvCxnSpPr/>
           <p:nvPr/>
         </p:nvCxnSpPr>
         <p:spPr>
@@ -6523,11 +6123,6 @@
         </p:style>
       </p:cxnSp>
     </p:spTree>
-    <p:extLst>
-      <p:ext uri="{BB962C8B-B14F-4D97-AF65-F5344CB8AC3E}">
-        <p14:creationId xmlns:p14="http://schemas.microsoft.com/office/powerpoint/2010/main" val="1672686507"/>
-      </p:ext>
-    </p:extLst>
   </p:cSld>
   <p:clrMapOvr>
     <a:masterClrMapping/>
@@ -6554,13 +6149,7 @@
       </p:grpSpPr>
       <p:sp>
         <p:nvSpPr>
-          <p:cNvPr id="25" name="Rounded Rectangle 24">
-            <a:extLst>
-              <a:ext uri="{FF2B5EF4-FFF2-40B4-BE49-F238E27FC236}">
-                <a16:creationId xmlns:a16="http://schemas.microsoft.com/office/drawing/2014/main" id="{4D60EB7F-A76F-4745-9A06-13ABF295980A}"/>
-              </a:ext>
-            </a:extLst>
-          </p:cNvPr>
+          <p:cNvPr id="25" name="Rounded Rectangle 24"/>
           <p:cNvSpPr/>
           <p:nvPr/>
         </p:nvSpPr>
@@ -6612,13 +6201,7 @@
       </p:sp>
       <p:sp>
         <p:nvSpPr>
-          <p:cNvPr id="5" name="Shape">
-            <a:extLst>
-              <a:ext uri="{FF2B5EF4-FFF2-40B4-BE49-F238E27FC236}">
-                <a16:creationId xmlns:a16="http://schemas.microsoft.com/office/drawing/2014/main" id="{34407B58-3364-5E40-A59A-59A0A8FB0BB1}"/>
-              </a:ext>
-            </a:extLst>
-          </p:cNvPr>
+          <p:cNvPr id="5" name="Shape"/>
           <p:cNvSpPr/>
           <p:nvPr/>
         </p:nvSpPr>
@@ -6697,13 +6280,7 @@
       </p:sp>
       <p:sp>
         <p:nvSpPr>
-          <p:cNvPr id="4" name="Rounded Rectangle 3">
-            <a:extLst>
-              <a:ext uri="{FF2B5EF4-FFF2-40B4-BE49-F238E27FC236}">
-                <a16:creationId xmlns:a16="http://schemas.microsoft.com/office/drawing/2014/main" id="{17C4593D-7768-684E-A396-C71359B1F36D}"/>
-              </a:ext>
-            </a:extLst>
-          </p:cNvPr>
+          <p:cNvPr id="4" name="Rounded Rectangle 3"/>
           <p:cNvSpPr/>
           <p:nvPr/>
         </p:nvSpPr>
@@ -6742,18 +6319,17 @@
               </a:rPr>
               <a:t>Org1 Peer</a:t>
             </a:r>
-          </a:p>
-        </p:txBody>
-      </p:sp>
-      <p:sp>
-        <p:nvSpPr>
-          <p:cNvPr id="6" name="Can 5">
-            <a:extLst>
-              <a:ext uri="{FF2B5EF4-FFF2-40B4-BE49-F238E27FC236}">
-                <a16:creationId xmlns:a16="http://schemas.microsoft.com/office/drawing/2014/main" id="{04508201-6096-F44A-A9AD-9A4FDD9F1712}"/>
-              </a:ext>
-            </a:extLst>
-          </p:cNvPr>
+            <a:endParaRPr lang="en-US" sz="2000" b="1" dirty="0">
+              <a:solidFill>
+                <a:srgbClr val="FFFFFF"/>
+              </a:solidFill>
+            </a:endParaRPr>
+          </a:p>
+        </p:txBody>
+      </p:sp>
+      <p:sp>
+        <p:nvSpPr>
+          <p:cNvPr id="6" name="Can 5"/>
           <p:cNvSpPr/>
           <p:nvPr/>
         </p:nvSpPr>
@@ -6791,13 +6367,19 @@
           <a:p>
             <a:pPr algn="ctr"/>
             <a:r>
-              <a:rPr lang="en-US" sz="1600" u="sng" dirty="0">
-                <a:solidFill>
-                  <a:prstClr val="black"/>
-                </a:solidFill>
-              </a:rPr>
-              <a:t>Channel World State</a:t>
-            </a:r>
+              <a:rPr lang="zh-CN" altLang="en-US" sz="1600" u="sng" dirty="0">
+                <a:solidFill>
+                  <a:prstClr val="black"/>
+                </a:solidFill>
+                <a:sym typeface="+mn-ea"/>
+              </a:rPr>
+              <a:t>通道世界状态</a:t>
+            </a:r>
+            <a:endParaRPr lang="en-US" sz="1600" u="sng" dirty="0">
+              <a:solidFill>
+                <a:prstClr val="black"/>
+              </a:solidFill>
+            </a:endParaRPr>
           </a:p>
           <a:p>
             <a:r>
@@ -6832,6 +6414,11 @@
               </a:rPr>
               <a:t>owner – Org2</a:t>
             </a:r>
+            <a:endParaRPr lang="en-US" sz="1400" dirty="0">
+              <a:solidFill>
+                <a:prstClr val="black"/>
+              </a:solidFill>
+            </a:endParaRPr>
           </a:p>
           <a:p>
             <a:r>
@@ -6866,6 +6453,11 @@
               </a:rPr>
               <a:t>hash(details)</a:t>
             </a:r>
+            <a:endParaRPr lang="en-US" sz="1400" dirty="0">
+              <a:solidFill>
+                <a:prstClr val="black"/>
+              </a:solidFill>
+            </a:endParaRPr>
           </a:p>
           <a:p>
             <a:r>
@@ -6916,6 +6508,11 @@
               </a:rPr>
               <a:t>hash(100)</a:t>
             </a:r>
+            <a:endParaRPr lang="en-US" sz="1400" dirty="0">
+              <a:solidFill>
+                <a:prstClr val="black"/>
+              </a:solidFill>
+            </a:endParaRPr>
           </a:p>
           <a:p>
             <a:r>
@@ -6966,25 +6563,24 @@
               </a:rPr>
               <a:t>hash(100)</a:t>
             </a:r>
-          </a:p>
-          <a:p>
             <a:endParaRPr lang="en-US" sz="1400" dirty="0">
               <a:solidFill>
                 <a:prstClr val="black"/>
               </a:solidFill>
             </a:endParaRPr>
           </a:p>
-        </p:txBody>
-      </p:sp>
-      <p:sp>
-        <p:nvSpPr>
-          <p:cNvPr id="9" name="Shape">
-            <a:extLst>
-              <a:ext uri="{FF2B5EF4-FFF2-40B4-BE49-F238E27FC236}">
-                <a16:creationId xmlns:a16="http://schemas.microsoft.com/office/drawing/2014/main" id="{41D3593A-016B-DD42-8CC7-4B3ECE3C40A5}"/>
-              </a:ext>
-            </a:extLst>
-          </p:cNvPr>
+          <a:p>
+            <a:endParaRPr lang="en-US" sz="1400" dirty="0">
+              <a:solidFill>
+                <a:prstClr val="black"/>
+              </a:solidFill>
+            </a:endParaRPr>
+          </a:p>
+        </p:txBody>
+      </p:sp>
+      <p:sp>
+        <p:nvSpPr>
+          <p:cNvPr id="9" name="Shape"/>
           <p:cNvSpPr/>
           <p:nvPr/>
         </p:nvSpPr>
@@ -7061,7 +6657,7 @@
               </a:defRPr>
             </a:pPr>
             <a:r>
-              <a:rPr lang="en-US" sz="1400" dirty="0">
+              <a:rPr lang="zh-CN" altLang="en-US" sz="1400" dirty="0">
                 <a:ln w="0"/>
                 <a:solidFill>
                   <a:sysClr val="windowText" lastClr="000000"/>
@@ -7073,8 +6669,9 @@
                     </a:schemeClr>
                   </a:outerShdw>
                 </a:effectLst>
-              </a:rPr>
-              <a:t>Ledger</a:t>
+                <a:sym typeface="+mn-ea"/>
+              </a:rPr>
+              <a:t>账本</a:t>
             </a:r>
             <a:endParaRPr sz="1400" b="1" dirty="0">
               <a:ln>
@@ -7091,16 +6688,8 @@
       </p:sp>
       <p:cxnSp>
         <p:nvCxnSpPr>
-          <p:cNvPr id="11" name="Straight Connector 10">
-            <a:extLst>
-              <a:ext uri="{FF2B5EF4-FFF2-40B4-BE49-F238E27FC236}">
-                <a16:creationId xmlns:a16="http://schemas.microsoft.com/office/drawing/2014/main" id="{E21D2E90-AB93-0744-81EE-9391F616AF95}"/>
-              </a:ext>
-            </a:extLst>
-          </p:cNvPr>
-          <p:cNvCxnSpPr>
-            <a:cxnSpLocks/>
-          </p:cNvCxnSpPr>
+          <p:cNvPr id="11" name="Straight Connector 10"/>
+          <p:cNvCxnSpPr/>
           <p:nvPr/>
         </p:nvCxnSpPr>
         <p:spPr>
@@ -7129,16 +6718,8 @@
       </p:cxnSp>
       <p:cxnSp>
         <p:nvCxnSpPr>
-          <p:cNvPr id="13" name="Straight Connector 12">
-            <a:extLst>
-              <a:ext uri="{FF2B5EF4-FFF2-40B4-BE49-F238E27FC236}">
-                <a16:creationId xmlns:a16="http://schemas.microsoft.com/office/drawing/2014/main" id="{223379DB-5965-7941-9E43-DA337E402FE7}"/>
-              </a:ext>
-            </a:extLst>
-          </p:cNvPr>
-          <p:cNvCxnSpPr>
-            <a:cxnSpLocks/>
-          </p:cNvCxnSpPr>
+          <p:cNvPr id="13" name="Straight Connector 12"/>
+          <p:cNvCxnSpPr/>
           <p:nvPr/>
         </p:nvCxnSpPr>
         <p:spPr>
@@ -7167,13 +6748,7 @@
       </p:cxnSp>
       <p:sp>
         <p:nvSpPr>
-          <p:cNvPr id="34" name="Rounded Rectangle 33">
-            <a:extLst>
-              <a:ext uri="{FF2B5EF4-FFF2-40B4-BE49-F238E27FC236}">
-                <a16:creationId xmlns:a16="http://schemas.microsoft.com/office/drawing/2014/main" id="{69560151-BCA5-EA4B-962F-9FE8313ADF42}"/>
-              </a:ext>
-            </a:extLst>
-          </p:cNvPr>
+          <p:cNvPr id="34" name="Rounded Rectangle 33"/>
           <p:cNvSpPr/>
           <p:nvPr/>
         </p:nvSpPr>
@@ -7224,23 +6799,36 @@
                 <a:solidFill>
                   <a:schemeClr val="tx1"/>
                 </a:solidFill>
-                <a:ea typeface="Arial" charset="0"/>
-                <a:cs typeface="Arial" charset="0"/>
-              </a:rPr>
-              <a:t>Secured asset transfer smart contract</a:t>
-            </a:r>
-          </a:p>
-        </p:txBody>
-      </p:sp>
-      <p:sp>
-        <p:nvSpPr>
-          <p:cNvPr id="52" name="Rounded Rectangle 51">
-            <a:extLst>
-              <a:ext uri="{FF2B5EF4-FFF2-40B4-BE49-F238E27FC236}">
-                <a16:creationId xmlns:a16="http://schemas.microsoft.com/office/drawing/2014/main" id="{E48F627F-104F-4843-848A-6575A6E0DCE9}"/>
-              </a:ext>
-            </a:extLst>
-          </p:cNvPr>
+                <a:ea typeface="Arial" panose="020B0604020202020204" pitchFamily="34" charset="0"/>
+                <a:cs typeface="Arial" panose="020B0604020202020204" pitchFamily="34" charset="0"/>
+                <a:sym typeface="+mn-ea"/>
+              </a:rPr>
+              <a:t>安全资产转移</a:t>
+            </a:r>
+            <a:r>
+              <a:rPr lang="zh-CN" altLang="en-US" sz="1200" b="1" dirty="0">
+                <a:solidFill>
+                  <a:schemeClr val="tx1"/>
+                </a:solidFill>
+                <a:ea typeface="Arial" panose="020B0604020202020204" pitchFamily="34" charset="0"/>
+                <a:cs typeface="Arial" panose="020B0604020202020204" pitchFamily="34" charset="0"/>
+                <a:sym typeface="+mn-ea"/>
+              </a:rPr>
+              <a:t>智能合约</a:t>
+            </a:r>
+            <a:endParaRPr lang="en-US" sz="1200" b="1" dirty="0">
+              <a:solidFill>
+                <a:schemeClr val="tx1"/>
+              </a:solidFill>
+              <a:ea typeface="Arial" panose="020B0604020202020204" pitchFamily="34" charset="0"/>
+              <a:cs typeface="Arial" panose="020B0604020202020204" pitchFamily="34" charset="0"/>
+            </a:endParaRPr>
+          </a:p>
+        </p:txBody>
+      </p:sp>
+      <p:sp>
+        <p:nvSpPr>
+          <p:cNvPr id="52" name="Rounded Rectangle 51"/>
           <p:cNvSpPr/>
           <p:nvPr/>
         </p:nvSpPr>
@@ -7279,18 +6867,17 @@
               </a:rPr>
               <a:t>Org2 Peer</a:t>
             </a:r>
-          </a:p>
-        </p:txBody>
-      </p:sp>
-      <p:sp>
-        <p:nvSpPr>
-          <p:cNvPr id="55" name="Shape">
-            <a:extLst>
-              <a:ext uri="{FF2B5EF4-FFF2-40B4-BE49-F238E27FC236}">
-                <a16:creationId xmlns:a16="http://schemas.microsoft.com/office/drawing/2014/main" id="{881985D6-5671-1B4D-905D-8186481FEADE}"/>
-              </a:ext>
-            </a:extLst>
-          </p:cNvPr>
+            <a:endParaRPr lang="en-US" sz="2000" b="1" dirty="0">
+              <a:solidFill>
+                <a:srgbClr val="FFFFFF"/>
+              </a:solidFill>
+            </a:endParaRPr>
+          </a:p>
+        </p:txBody>
+      </p:sp>
+      <p:sp>
+        <p:nvSpPr>
+          <p:cNvPr id="55" name="Shape"/>
           <p:cNvSpPr/>
           <p:nvPr/>
         </p:nvSpPr>
@@ -7367,7 +6954,7 @@
               </a:defRPr>
             </a:pPr>
             <a:r>
-              <a:rPr lang="en-US" sz="1400" dirty="0">
+              <a:rPr lang="zh-CN" altLang="en-US" sz="1400" dirty="0">
                 <a:ln w="0"/>
                 <a:solidFill>
                   <a:sysClr val="windowText" lastClr="000000"/>
@@ -7379,8 +6966,9 @@
                     </a:schemeClr>
                   </a:outerShdw>
                 </a:effectLst>
-              </a:rPr>
-              <a:t>Ledger</a:t>
+                <a:sym typeface="+mn-ea"/>
+              </a:rPr>
+              <a:t>账本</a:t>
             </a:r>
             <a:endParaRPr sz="1400" b="1" dirty="0">
               <a:ln>
@@ -7397,13 +6985,7 @@
       </p:sp>
       <p:sp>
         <p:nvSpPr>
-          <p:cNvPr id="59" name="Rounded Rectangle 58">
-            <a:extLst>
-              <a:ext uri="{FF2B5EF4-FFF2-40B4-BE49-F238E27FC236}">
-                <a16:creationId xmlns:a16="http://schemas.microsoft.com/office/drawing/2014/main" id="{66772181-158E-4D41-A0D6-6D6815C60905}"/>
-              </a:ext>
-            </a:extLst>
-          </p:cNvPr>
+          <p:cNvPr id="59" name="Rounded Rectangle 58"/>
           <p:cNvSpPr/>
           <p:nvPr/>
         </p:nvSpPr>
@@ -7454,23 +7036,36 @@
                 <a:solidFill>
                   <a:schemeClr val="tx1"/>
                 </a:solidFill>
-                <a:ea typeface="Arial" charset="0"/>
-                <a:cs typeface="Arial" charset="0"/>
-              </a:rPr>
-              <a:t>Secured asset transfer smart contract</a:t>
-            </a:r>
-          </a:p>
-        </p:txBody>
-      </p:sp>
-      <p:sp>
-        <p:nvSpPr>
-          <p:cNvPr id="21" name="Can 20">
-            <a:extLst>
-              <a:ext uri="{FF2B5EF4-FFF2-40B4-BE49-F238E27FC236}">
-                <a16:creationId xmlns:a16="http://schemas.microsoft.com/office/drawing/2014/main" id="{6CD0CB89-3C81-594A-B420-7219F95523A0}"/>
-              </a:ext>
-            </a:extLst>
-          </p:cNvPr>
+                <a:ea typeface="Arial" panose="020B0604020202020204" pitchFamily="34" charset="0"/>
+                <a:cs typeface="Arial" panose="020B0604020202020204" pitchFamily="34" charset="0"/>
+                <a:sym typeface="+mn-ea"/>
+              </a:rPr>
+              <a:t>安全资产转移</a:t>
+            </a:r>
+            <a:r>
+              <a:rPr lang="zh-CN" altLang="en-US" sz="1200" b="1" dirty="0">
+                <a:solidFill>
+                  <a:schemeClr val="tx1"/>
+                </a:solidFill>
+                <a:ea typeface="Arial" panose="020B0604020202020204" pitchFamily="34" charset="0"/>
+                <a:cs typeface="Arial" panose="020B0604020202020204" pitchFamily="34" charset="0"/>
+                <a:sym typeface="+mn-ea"/>
+              </a:rPr>
+              <a:t>智能合约</a:t>
+            </a:r>
+            <a:endParaRPr lang="en-US" sz="1200" b="1" dirty="0">
+              <a:solidFill>
+                <a:schemeClr val="tx1"/>
+              </a:solidFill>
+              <a:ea typeface="Arial" panose="020B0604020202020204" pitchFamily="34" charset="0"/>
+              <a:cs typeface="Arial" panose="020B0604020202020204" pitchFamily="34" charset="0"/>
+            </a:endParaRPr>
+          </a:p>
+        </p:txBody>
+      </p:sp>
+      <p:sp>
+        <p:nvSpPr>
+          <p:cNvPr id="21" name="Can 20"/>
           <p:cNvSpPr/>
           <p:nvPr/>
         </p:nvSpPr>
@@ -7527,8 +7122,22 @@
                   <a:prstClr val="black"/>
                 </a:solidFill>
               </a:rPr>
-              <a:t>Org1 private data collection</a:t>
-            </a:r>
+              <a:t>Org1 </a:t>
+            </a:r>
+            <a:r>
+              <a:rPr lang="zh-CN" altLang="en-US" u="sng" dirty="0">
+                <a:solidFill>
+                  <a:prstClr val="black"/>
+                </a:solidFill>
+                <a:sym typeface="+mn-ea"/>
+              </a:rPr>
+              <a:t>私有数据集合</a:t>
+            </a:r>
+            <a:endParaRPr lang="en-US" u="sng" dirty="0">
+              <a:solidFill>
+                <a:prstClr val="black"/>
+              </a:solidFill>
+            </a:endParaRPr>
           </a:p>
           <a:p>
             <a:pPr algn="ctr"/>
@@ -7580,6 +7189,11 @@
               </a:rPr>
               <a:t> 100</a:t>
             </a:r>
+            <a:endParaRPr lang="en-US" sz="1400" dirty="0">
+              <a:solidFill>
+                <a:prstClr val="black"/>
+              </a:solidFill>
+            </a:endParaRPr>
           </a:p>
           <a:p>
             <a:pPr algn="ctr"/>
@@ -7617,13 +7231,7 @@
       </p:sp>
       <p:sp>
         <p:nvSpPr>
-          <p:cNvPr id="30" name="Shape">
-            <a:extLst>
-              <a:ext uri="{FF2B5EF4-FFF2-40B4-BE49-F238E27FC236}">
-                <a16:creationId xmlns:a16="http://schemas.microsoft.com/office/drawing/2014/main" id="{E56D930E-7425-9044-8762-41BC7CBC9D0C}"/>
-              </a:ext>
-            </a:extLst>
-          </p:cNvPr>
+          <p:cNvPr id="30" name="Shape"/>
           <p:cNvSpPr/>
           <p:nvPr/>
         </p:nvSpPr>
@@ -7702,16 +7310,8 @@
       </p:sp>
       <p:cxnSp>
         <p:nvCxnSpPr>
-          <p:cNvPr id="35" name="Straight Connector 34">
-            <a:extLst>
-              <a:ext uri="{FF2B5EF4-FFF2-40B4-BE49-F238E27FC236}">
-                <a16:creationId xmlns:a16="http://schemas.microsoft.com/office/drawing/2014/main" id="{4FC74BB5-B1B9-704D-9792-F16674ECBE69}"/>
-              </a:ext>
-            </a:extLst>
-          </p:cNvPr>
-          <p:cNvCxnSpPr>
-            <a:cxnSpLocks/>
-          </p:cNvCxnSpPr>
+          <p:cNvPr id="35" name="Straight Connector 34"/>
+          <p:cNvCxnSpPr/>
           <p:nvPr/>
         </p:nvCxnSpPr>
         <p:spPr>
@@ -7740,16 +7340,8 @@
       </p:cxnSp>
       <p:cxnSp>
         <p:nvCxnSpPr>
-          <p:cNvPr id="36" name="Straight Connector 35">
-            <a:extLst>
-              <a:ext uri="{FF2B5EF4-FFF2-40B4-BE49-F238E27FC236}">
-                <a16:creationId xmlns:a16="http://schemas.microsoft.com/office/drawing/2014/main" id="{43E5D13A-DFDB-EA4C-BCF7-2F10A818963D}"/>
-              </a:ext>
-            </a:extLst>
-          </p:cNvPr>
-          <p:cNvCxnSpPr>
-            <a:cxnSpLocks/>
-          </p:cNvCxnSpPr>
+          <p:cNvPr id="36" name="Straight Connector 35"/>
+          <p:cNvCxnSpPr/>
           <p:nvPr/>
         </p:nvCxnSpPr>
         <p:spPr>
@@ -7778,13 +7370,7 @@
       </p:cxnSp>
       <p:sp>
         <p:nvSpPr>
-          <p:cNvPr id="38" name="Can 37">
-            <a:extLst>
-              <a:ext uri="{FF2B5EF4-FFF2-40B4-BE49-F238E27FC236}">
-                <a16:creationId xmlns:a16="http://schemas.microsoft.com/office/drawing/2014/main" id="{B3426F3F-23F5-E445-9F26-1C8BE75C608A}"/>
-              </a:ext>
-            </a:extLst>
-          </p:cNvPr>
+          <p:cNvPr id="38" name="Can 37"/>
           <p:cNvSpPr/>
           <p:nvPr/>
         </p:nvSpPr>
@@ -7822,13 +7408,19 @@
           <a:p>
             <a:pPr algn="ctr"/>
             <a:r>
-              <a:rPr lang="en-US" sz="1600" u="sng" dirty="0">
-                <a:solidFill>
-                  <a:prstClr val="black"/>
-                </a:solidFill>
-              </a:rPr>
-              <a:t>Channel World State</a:t>
-            </a:r>
+              <a:rPr lang="zh-CN" altLang="en-US" sz="1600" u="sng" dirty="0">
+                <a:solidFill>
+                  <a:prstClr val="black"/>
+                </a:solidFill>
+                <a:sym typeface="+mn-ea"/>
+              </a:rPr>
+              <a:t>通道世界状态</a:t>
+            </a:r>
+            <a:endParaRPr lang="en-US" sz="1600" u="sng" dirty="0">
+              <a:solidFill>
+                <a:prstClr val="black"/>
+              </a:solidFill>
+            </a:endParaRPr>
           </a:p>
           <a:p>
             <a:r>
@@ -7863,6 +7455,11 @@
               </a:rPr>
               <a:t>owner – Org2</a:t>
             </a:r>
+            <a:endParaRPr lang="en-US" sz="1400" dirty="0">
+              <a:solidFill>
+                <a:prstClr val="black"/>
+              </a:solidFill>
+            </a:endParaRPr>
           </a:p>
           <a:p>
             <a:r>
@@ -7897,6 +7494,11 @@
               </a:rPr>
               <a:t>hash(details)</a:t>
             </a:r>
+            <a:endParaRPr lang="en-US" sz="1400" dirty="0">
+              <a:solidFill>
+                <a:prstClr val="black"/>
+              </a:solidFill>
+            </a:endParaRPr>
           </a:p>
           <a:p>
             <a:r>
@@ -7947,6 +7549,11 @@
               </a:rPr>
               <a:t>hash(100)</a:t>
             </a:r>
+            <a:endParaRPr lang="en-US" sz="1400" dirty="0">
+              <a:solidFill>
+                <a:prstClr val="black"/>
+              </a:solidFill>
+            </a:endParaRPr>
           </a:p>
           <a:p>
             <a:r>
@@ -7997,25 +7604,24 @@
               </a:rPr>
               <a:t>hash(100)</a:t>
             </a:r>
-          </a:p>
-          <a:p>
             <a:endParaRPr lang="en-US" sz="1400" dirty="0">
               <a:solidFill>
                 <a:prstClr val="black"/>
               </a:solidFill>
             </a:endParaRPr>
           </a:p>
-        </p:txBody>
-      </p:sp>
-      <p:sp>
-        <p:nvSpPr>
-          <p:cNvPr id="39" name="Can 38">
-            <a:extLst>
-              <a:ext uri="{FF2B5EF4-FFF2-40B4-BE49-F238E27FC236}">
-                <a16:creationId xmlns:a16="http://schemas.microsoft.com/office/drawing/2014/main" id="{C5EA9B22-48EC-AD4F-9D20-39B21F0F21E4}"/>
-              </a:ext>
-            </a:extLst>
-          </p:cNvPr>
+          <a:p>
+            <a:endParaRPr lang="en-US" sz="1400" dirty="0">
+              <a:solidFill>
+                <a:prstClr val="black"/>
+              </a:solidFill>
+            </a:endParaRPr>
+          </a:p>
+        </p:txBody>
+      </p:sp>
+      <p:sp>
+        <p:nvSpPr>
+          <p:cNvPr id="39" name="Can 38"/>
           <p:cNvSpPr/>
           <p:nvPr/>
         </p:nvSpPr>
@@ -8072,8 +7678,22 @@
                   <a:prstClr val="black"/>
                 </a:solidFill>
               </a:rPr>
-              <a:t>Org2 private data collection</a:t>
-            </a:r>
+              <a:t>Org2 </a:t>
+            </a:r>
+            <a:r>
+              <a:rPr lang="zh-CN" altLang="en-US" u="sng" dirty="0">
+                <a:solidFill>
+                  <a:prstClr val="black"/>
+                </a:solidFill>
+                <a:sym typeface="+mn-ea"/>
+              </a:rPr>
+              <a:t>私有数据集合</a:t>
+            </a:r>
+            <a:endParaRPr lang="en-US" u="sng" dirty="0">
+              <a:solidFill>
+                <a:prstClr val="black"/>
+              </a:solidFill>
+            </a:endParaRPr>
           </a:p>
           <a:p>
             <a:pPr algn="ctr"/>
@@ -8109,6 +7729,11 @@
               </a:rPr>
               <a:t>: 100</a:t>
             </a:r>
+            <a:endParaRPr lang="en-US" sz="1400" dirty="0">
+              <a:solidFill>
+                <a:prstClr val="black"/>
+              </a:solidFill>
+            </a:endParaRPr>
           </a:p>
           <a:p>
             <a:pPr algn="ctr"/>
@@ -8152,6 +7777,11 @@
               </a:rPr>
               <a:t>asset1 details</a:t>
             </a:r>
+            <a:endParaRPr lang="en-US" sz="1400" dirty="0">
+              <a:solidFill>
+                <a:prstClr val="black"/>
+              </a:solidFill>
+            </a:endParaRPr>
           </a:p>
           <a:p>
             <a:pPr algn="ctr"/>
@@ -8181,16 +7811,8 @@
       </p:sp>
       <p:cxnSp>
         <p:nvCxnSpPr>
-          <p:cNvPr id="22" name="Straight Connector 21">
-            <a:extLst>
-              <a:ext uri="{FF2B5EF4-FFF2-40B4-BE49-F238E27FC236}">
-                <a16:creationId xmlns:a16="http://schemas.microsoft.com/office/drawing/2014/main" id="{09A3A5C0-F6A8-4E49-8AFF-E0895F1A6739}"/>
-              </a:ext>
-            </a:extLst>
-          </p:cNvPr>
-          <p:cNvCxnSpPr>
-            <a:cxnSpLocks/>
-          </p:cNvCxnSpPr>
+          <p:cNvPr id="22" name="Straight Connector 21"/>
+          <p:cNvCxnSpPr/>
           <p:nvPr/>
         </p:nvCxnSpPr>
         <p:spPr>
@@ -8219,16 +7841,8 @@
       </p:cxnSp>
       <p:cxnSp>
         <p:nvCxnSpPr>
-          <p:cNvPr id="24" name="Straight Connector 23">
-            <a:extLst>
-              <a:ext uri="{FF2B5EF4-FFF2-40B4-BE49-F238E27FC236}">
-                <a16:creationId xmlns:a16="http://schemas.microsoft.com/office/drawing/2014/main" id="{B8AFBDD7-6CB3-CD4E-9B80-022BAA9087AD}"/>
-              </a:ext>
-            </a:extLst>
-          </p:cNvPr>
-          <p:cNvCxnSpPr>
-            <a:cxnSpLocks/>
-          </p:cNvCxnSpPr>
+          <p:cNvPr id="24" name="Straight Connector 23"/>
+          <p:cNvCxnSpPr/>
           <p:nvPr/>
         </p:nvCxnSpPr>
         <p:spPr>
@@ -8256,16 +7870,17 @@
         </p:style>
       </p:cxnSp>
     </p:spTree>
-    <p:extLst>
-      <p:ext uri="{BB962C8B-B14F-4D97-AF65-F5344CB8AC3E}">
-        <p14:creationId xmlns:p14="http://schemas.microsoft.com/office/powerpoint/2010/main" val="1812875742"/>
-      </p:ext>
-    </p:extLst>
   </p:cSld>
   <p:clrMapOvr>
     <a:masterClrMapping/>
   </p:clrMapOvr>
 </p:sld>
+</file>
+
+<file path=ppt/tags/tag1.xml><?xml version="1.0" encoding="utf-8"?>
+<p:tagLst xmlns:p="http://schemas.openxmlformats.org/presentationml/2006/main">
+  <p:tag name="COMMONDATA" val="eyJoZGlkIjoiOTcwMTg0Nzk4NzNiNmVkODNmN2IzOGE1ZDY2YjY4YjQifQ=="/>
+</p:tagLst>
 </file>
 
 <file path=ppt/theme/theme1.xml><?xml version="1.0" encoding="utf-8"?>
@@ -8311,7 +7926,7 @@
     </a:clrScheme>
     <a:fontScheme name="Office">
       <a:majorFont>
-        <a:latin typeface="Calibri Light" panose="020F0302020204030204"/>
+        <a:latin typeface="Calibri Light"/>
         <a:ea typeface=""/>
         <a:cs typeface=""/>
         <a:font script="Jpan" typeface="游ゴシック Light"/>
@@ -8344,26 +7959,9 @@
         <a:font script="Viet" typeface="Times New Roman"/>
         <a:font script="Uigh" typeface="Microsoft Uighur"/>
         <a:font script="Geor" typeface="Sylfaen"/>
-        <a:font script="Armn" typeface="Arial"/>
-        <a:font script="Bugi" typeface="Leelawadee UI"/>
-        <a:font script="Bopo" typeface="Microsoft JhengHei"/>
-        <a:font script="Java" typeface="Javanese Text"/>
-        <a:font script="Lisu" typeface="Segoe UI"/>
-        <a:font script="Mymr" typeface="Myanmar Text"/>
-        <a:font script="Nkoo" typeface="Ebrima"/>
-        <a:font script="Olck" typeface="Nirmala UI"/>
-        <a:font script="Osma" typeface="Ebrima"/>
-        <a:font script="Phag" typeface="Phagspa"/>
-        <a:font script="Syrn" typeface="Estrangelo Edessa"/>
-        <a:font script="Syrj" typeface="Estrangelo Edessa"/>
-        <a:font script="Syre" typeface="Estrangelo Edessa"/>
-        <a:font script="Sora" typeface="Nirmala UI"/>
-        <a:font script="Tale" typeface="Microsoft Tai Le"/>
-        <a:font script="Talu" typeface="Microsoft New Tai Lue"/>
-        <a:font script="Tfng" typeface="Ebrima"/>
       </a:majorFont>
       <a:minorFont>
-        <a:latin typeface="Calibri" panose="020F0502020204030204"/>
+        <a:latin typeface="Calibri"/>
         <a:ea typeface=""/>
         <a:cs typeface=""/>
         <a:font script="Jpan" typeface="游ゴシック"/>
@@ -8396,23 +7994,6 @@
         <a:font script="Viet" typeface="Arial"/>
         <a:font script="Uigh" typeface="Microsoft Uighur"/>
         <a:font script="Geor" typeface="Sylfaen"/>
-        <a:font script="Armn" typeface="Arial"/>
-        <a:font script="Bugi" typeface="Leelawadee UI"/>
-        <a:font script="Bopo" typeface="Microsoft JhengHei"/>
-        <a:font script="Java" typeface="Javanese Text"/>
-        <a:font script="Lisu" typeface="Segoe UI"/>
-        <a:font script="Mymr" typeface="Myanmar Text"/>
-        <a:font script="Nkoo" typeface="Ebrima"/>
-        <a:font script="Olck" typeface="Nirmala UI"/>
-        <a:font script="Osma" typeface="Ebrima"/>
-        <a:font script="Phag" typeface="Phagspa"/>
-        <a:font script="Syrn" typeface="Estrangelo Edessa"/>
-        <a:font script="Syrj" typeface="Estrangelo Edessa"/>
-        <a:font script="Syre" typeface="Estrangelo Edessa"/>
-        <a:font script="Sora" typeface="Nirmala UI"/>
-        <a:font script="Tale" typeface="Microsoft Tai Le"/>
-        <a:font script="Talu" typeface="Microsoft New Tai Lue"/>
-        <a:font script="Tfng" typeface="Ebrima"/>
       </a:minorFont>
     </a:fontScheme>
     <a:fmtScheme name="Office">
@@ -8553,8 +8134,6 @@
       </a:bgFillStyleLst>
     </a:fmtScheme>
   </a:themeElements>
-  <a:objectDefaults/>
-  <a:extraClrSchemeLst/>
   <a:extLst>
     <a:ext uri="{05A4C25C-085E-4340-85A3-A5531E510DB2}">
       <thm15:themeFamily xmlns:thm15="http://schemas.microsoft.com/office/thememl/2012/main" name="Office Theme" id="{62F939B6-93AF-4DB8-9C6B-D6C7DFDC589F}" vid="{4A3C46E8-61CC-4603-A589-7422A47A8E4A}"/>
